--- a/Präsentation über IoT und MQTT.pptx
+++ b/Präsentation über IoT und MQTT.pptx
@@ -4,6 +4,9 @@
   <p:sldMasterIdLst>
     <p:sldMasterId id="2147483699" r:id="rId1"/>
   </p:sldMasterIdLst>
+  <p:notesMasterIdLst>
+    <p:notesMasterId r:id="rId17"/>
+  </p:notesMasterIdLst>
   <p:sldIdLst>
     <p:sldId id="256" r:id="rId2"/>
     <p:sldId id="257" r:id="rId3"/>
@@ -14,9 +17,12 @@
     <p:sldId id="262" r:id="rId8"/>
     <p:sldId id="263" r:id="rId9"/>
     <p:sldId id="264" r:id="rId10"/>
-    <p:sldId id="265" r:id="rId11"/>
-    <p:sldId id="266" r:id="rId12"/>
-    <p:sldId id="267" r:id="rId13"/>
+    <p:sldId id="266" r:id="rId11"/>
+    <p:sldId id="268" r:id="rId12"/>
+    <p:sldId id="265" r:id="rId13"/>
+    <p:sldId id="267" r:id="rId14"/>
+    <p:sldId id="271" r:id="rId15"/>
+    <p:sldId id="270" r:id="rId16"/>
   </p:sldIdLst>
   <p:sldSz cx="12192000" cy="6858000"/>
   <p:notesSz cx="6858000" cy="9144000"/>
@@ -123,6 +129,439 @@
 </p:presentation>
 </file>
 
+<file path=ppt/notesMasters/notesMaster1.xml><?xml version="1.0" encoding="utf-8"?>
+<p:notesMaster xmlns:a="http://schemas.openxmlformats.org/drawingml/2006/main" xmlns:r="http://schemas.openxmlformats.org/officeDocument/2006/relationships" xmlns:p="http://schemas.openxmlformats.org/presentationml/2006/main">
+  <p:cSld>
+    <p:bg>
+      <p:bgRef idx="1001">
+        <a:schemeClr val="bg1"/>
+      </p:bgRef>
+    </p:bg>
+    <p:spTree>
+      <p:nvGrpSpPr>
+        <p:cNvPr id="1" name=""/>
+        <p:cNvGrpSpPr/>
+        <p:nvPr/>
+      </p:nvGrpSpPr>
+      <p:grpSpPr>
+        <a:xfrm>
+          <a:off x="0" y="0"/>
+          <a:ext cx="0" cy="0"/>
+          <a:chOff x="0" y="0"/>
+          <a:chExt cx="0" cy="0"/>
+        </a:xfrm>
+      </p:grpSpPr>
+      <p:sp>
+        <p:nvSpPr>
+          <p:cNvPr id="2" name="Kopfzeilenplatzhalter 1"/>
+          <p:cNvSpPr>
+            <a:spLocks noGrp="1"/>
+          </p:cNvSpPr>
+          <p:nvPr>
+            <p:ph type="hdr" sz="quarter"/>
+          </p:nvPr>
+        </p:nvSpPr>
+        <p:spPr>
+          <a:xfrm>
+            <a:off x="0" y="0"/>
+            <a:ext cx="2971800" cy="458788"/>
+          </a:xfrm>
+          <a:prstGeom prst="rect">
+            <a:avLst/>
+          </a:prstGeom>
+        </p:spPr>
+        <p:txBody>
+          <a:bodyPr vert="horz" lIns="91440" tIns="45720" rIns="91440" bIns="45720" rtlCol="0"/>
+          <a:lstStyle>
+            <a:lvl1pPr algn="l">
+              <a:defRPr sz="1200"/>
+            </a:lvl1pPr>
+          </a:lstStyle>
+          <a:p>
+            <a:endParaRPr lang="de-DE"/>
+          </a:p>
+        </p:txBody>
+      </p:sp>
+      <p:sp>
+        <p:nvSpPr>
+          <p:cNvPr id="3" name="Datumsplatzhalter 2"/>
+          <p:cNvSpPr>
+            <a:spLocks noGrp="1"/>
+          </p:cNvSpPr>
+          <p:nvPr>
+            <p:ph type="dt" idx="1"/>
+          </p:nvPr>
+        </p:nvSpPr>
+        <p:spPr>
+          <a:xfrm>
+            <a:off x="3884613" y="0"/>
+            <a:ext cx="2971800" cy="458788"/>
+          </a:xfrm>
+          <a:prstGeom prst="rect">
+            <a:avLst/>
+          </a:prstGeom>
+        </p:spPr>
+        <p:txBody>
+          <a:bodyPr vert="horz" lIns="91440" tIns="45720" rIns="91440" bIns="45720" rtlCol="0"/>
+          <a:lstStyle>
+            <a:lvl1pPr algn="r">
+              <a:defRPr sz="1200"/>
+            </a:lvl1pPr>
+          </a:lstStyle>
+          <a:p>
+            <a:fld id="{04076B1A-FD58-4375-B065-FA82DFD1F6E9}" type="datetimeFigureOut">
+              <a:rPr lang="de-DE" smtClean="0"/>
+              <a:t>13.05.2025</a:t>
+            </a:fld>
+            <a:endParaRPr lang="de-DE"/>
+          </a:p>
+        </p:txBody>
+      </p:sp>
+      <p:sp>
+        <p:nvSpPr>
+          <p:cNvPr id="4" name="Folienbildplatzhalter 3"/>
+          <p:cNvSpPr>
+            <a:spLocks noGrp="1" noRot="1" noChangeAspect="1"/>
+          </p:cNvSpPr>
+          <p:nvPr>
+            <p:ph type="sldImg" idx="2"/>
+          </p:nvPr>
+        </p:nvSpPr>
+        <p:spPr>
+          <a:xfrm>
+            <a:off x="685800" y="1143000"/>
+            <a:ext cx="5486400" cy="3086100"/>
+          </a:xfrm>
+          <a:prstGeom prst="rect">
+            <a:avLst/>
+          </a:prstGeom>
+          <a:noFill/>
+          <a:ln w="12700">
+            <a:solidFill>
+              <a:prstClr val="black"/>
+            </a:solidFill>
+          </a:ln>
+        </p:spPr>
+        <p:txBody>
+          <a:bodyPr vert="horz" lIns="91440" tIns="45720" rIns="91440" bIns="45720" rtlCol="0" anchor="ctr"/>
+          <a:lstStyle/>
+          <a:p>
+            <a:endParaRPr lang="de-DE"/>
+          </a:p>
+        </p:txBody>
+      </p:sp>
+      <p:sp>
+        <p:nvSpPr>
+          <p:cNvPr id="5" name="Notizenplatzhalter 4"/>
+          <p:cNvSpPr>
+            <a:spLocks noGrp="1"/>
+          </p:cNvSpPr>
+          <p:nvPr>
+            <p:ph type="body" sz="quarter" idx="3"/>
+          </p:nvPr>
+        </p:nvSpPr>
+        <p:spPr>
+          <a:xfrm>
+            <a:off x="685800" y="4400550"/>
+            <a:ext cx="5486400" cy="3600450"/>
+          </a:xfrm>
+          <a:prstGeom prst="rect">
+            <a:avLst/>
+          </a:prstGeom>
+        </p:spPr>
+        <p:txBody>
+          <a:bodyPr vert="horz" lIns="91440" tIns="45720" rIns="91440" bIns="45720" rtlCol="0"/>
+          <a:lstStyle/>
+          <a:p>
+            <a:pPr lvl="0"/>
+            <a:r>
+              <a:rPr lang="de-DE"/>
+              <a:t>Mastertextformat bearbeiten</a:t>
+            </a:r>
+          </a:p>
+          <a:p>
+            <a:pPr lvl="1"/>
+            <a:r>
+              <a:rPr lang="de-DE"/>
+              <a:t>Zweite Ebene</a:t>
+            </a:r>
+          </a:p>
+          <a:p>
+            <a:pPr lvl="2"/>
+            <a:r>
+              <a:rPr lang="de-DE"/>
+              <a:t>Dritte Ebene</a:t>
+            </a:r>
+          </a:p>
+          <a:p>
+            <a:pPr lvl="3"/>
+            <a:r>
+              <a:rPr lang="de-DE"/>
+              <a:t>Vierte Ebene</a:t>
+            </a:r>
+          </a:p>
+          <a:p>
+            <a:pPr lvl="4"/>
+            <a:r>
+              <a:rPr lang="de-DE"/>
+              <a:t>Fünfte Ebene</a:t>
+            </a:r>
+          </a:p>
+        </p:txBody>
+      </p:sp>
+      <p:sp>
+        <p:nvSpPr>
+          <p:cNvPr id="6" name="Fußzeilenplatzhalter 5"/>
+          <p:cNvSpPr>
+            <a:spLocks noGrp="1"/>
+          </p:cNvSpPr>
+          <p:nvPr>
+            <p:ph type="ftr" sz="quarter" idx="4"/>
+          </p:nvPr>
+        </p:nvSpPr>
+        <p:spPr>
+          <a:xfrm>
+            <a:off x="0" y="8685213"/>
+            <a:ext cx="2971800" cy="458787"/>
+          </a:xfrm>
+          <a:prstGeom prst="rect">
+            <a:avLst/>
+          </a:prstGeom>
+        </p:spPr>
+        <p:txBody>
+          <a:bodyPr vert="horz" lIns="91440" tIns="45720" rIns="91440" bIns="45720" rtlCol="0" anchor="b"/>
+          <a:lstStyle>
+            <a:lvl1pPr algn="l">
+              <a:defRPr sz="1200"/>
+            </a:lvl1pPr>
+          </a:lstStyle>
+          <a:p>
+            <a:endParaRPr lang="de-DE"/>
+          </a:p>
+        </p:txBody>
+      </p:sp>
+      <p:sp>
+        <p:nvSpPr>
+          <p:cNvPr id="7" name="Foliennummernplatzhalter 6"/>
+          <p:cNvSpPr>
+            <a:spLocks noGrp="1"/>
+          </p:cNvSpPr>
+          <p:nvPr>
+            <p:ph type="sldNum" sz="quarter" idx="5"/>
+          </p:nvPr>
+        </p:nvSpPr>
+        <p:spPr>
+          <a:xfrm>
+            <a:off x="3884613" y="8685213"/>
+            <a:ext cx="2971800" cy="458787"/>
+          </a:xfrm>
+          <a:prstGeom prst="rect">
+            <a:avLst/>
+          </a:prstGeom>
+        </p:spPr>
+        <p:txBody>
+          <a:bodyPr vert="horz" lIns="91440" tIns="45720" rIns="91440" bIns="45720" rtlCol="0" anchor="b"/>
+          <a:lstStyle>
+            <a:lvl1pPr algn="r">
+              <a:defRPr sz="1200"/>
+            </a:lvl1pPr>
+          </a:lstStyle>
+          <a:p>
+            <a:fld id="{860CE767-8144-4215-8C15-D57E51DC9B9B}" type="slidenum">
+              <a:rPr lang="de-DE" smtClean="0"/>
+              <a:t>‹Nr.›</a:t>
+            </a:fld>
+            <a:endParaRPr lang="de-DE"/>
+          </a:p>
+        </p:txBody>
+      </p:sp>
+    </p:spTree>
+    <p:extLst>
+      <p:ext uri="{BB962C8B-B14F-4D97-AF65-F5344CB8AC3E}">
+        <p14:creationId xmlns:p14="http://schemas.microsoft.com/office/powerpoint/2010/main" val="1827111112"/>
+      </p:ext>
+    </p:extLst>
+  </p:cSld>
+  <p:clrMap bg1="lt1" tx1="dk1" bg2="lt2" tx2="dk2" accent1="accent1" accent2="accent2" accent3="accent3" accent4="accent4" accent5="accent5" accent6="accent6" hlink="hlink" folHlink="folHlink"/>
+  <p:notesStyle>
+    <a:lvl1pPr marL="0" algn="l" defTabSz="914400" rtl="0" eaLnBrk="1" latinLnBrk="0" hangingPunct="1">
+      <a:defRPr sz="1200" kern="1200">
+        <a:solidFill>
+          <a:schemeClr val="tx1"/>
+        </a:solidFill>
+        <a:latin typeface="+mn-lt"/>
+        <a:ea typeface="+mn-ea"/>
+        <a:cs typeface="+mn-cs"/>
+      </a:defRPr>
+    </a:lvl1pPr>
+    <a:lvl2pPr marL="457200" algn="l" defTabSz="914400" rtl="0" eaLnBrk="1" latinLnBrk="0" hangingPunct="1">
+      <a:defRPr sz="1200" kern="1200">
+        <a:solidFill>
+          <a:schemeClr val="tx1"/>
+        </a:solidFill>
+        <a:latin typeface="+mn-lt"/>
+        <a:ea typeface="+mn-ea"/>
+        <a:cs typeface="+mn-cs"/>
+      </a:defRPr>
+    </a:lvl2pPr>
+    <a:lvl3pPr marL="914400" algn="l" defTabSz="914400" rtl="0" eaLnBrk="1" latinLnBrk="0" hangingPunct="1">
+      <a:defRPr sz="1200" kern="1200">
+        <a:solidFill>
+          <a:schemeClr val="tx1"/>
+        </a:solidFill>
+        <a:latin typeface="+mn-lt"/>
+        <a:ea typeface="+mn-ea"/>
+        <a:cs typeface="+mn-cs"/>
+      </a:defRPr>
+    </a:lvl3pPr>
+    <a:lvl4pPr marL="1371600" algn="l" defTabSz="914400" rtl="0" eaLnBrk="1" latinLnBrk="0" hangingPunct="1">
+      <a:defRPr sz="1200" kern="1200">
+        <a:solidFill>
+          <a:schemeClr val="tx1"/>
+        </a:solidFill>
+        <a:latin typeface="+mn-lt"/>
+        <a:ea typeface="+mn-ea"/>
+        <a:cs typeface="+mn-cs"/>
+      </a:defRPr>
+    </a:lvl4pPr>
+    <a:lvl5pPr marL="1828800" algn="l" defTabSz="914400" rtl="0" eaLnBrk="1" latinLnBrk="0" hangingPunct="1">
+      <a:defRPr sz="1200" kern="1200">
+        <a:solidFill>
+          <a:schemeClr val="tx1"/>
+        </a:solidFill>
+        <a:latin typeface="+mn-lt"/>
+        <a:ea typeface="+mn-ea"/>
+        <a:cs typeface="+mn-cs"/>
+      </a:defRPr>
+    </a:lvl5pPr>
+    <a:lvl6pPr marL="2286000" algn="l" defTabSz="914400" rtl="0" eaLnBrk="1" latinLnBrk="0" hangingPunct="1">
+      <a:defRPr sz="1200" kern="1200">
+        <a:solidFill>
+          <a:schemeClr val="tx1"/>
+        </a:solidFill>
+        <a:latin typeface="+mn-lt"/>
+        <a:ea typeface="+mn-ea"/>
+        <a:cs typeface="+mn-cs"/>
+      </a:defRPr>
+    </a:lvl6pPr>
+    <a:lvl7pPr marL="2743200" algn="l" defTabSz="914400" rtl="0" eaLnBrk="1" latinLnBrk="0" hangingPunct="1">
+      <a:defRPr sz="1200" kern="1200">
+        <a:solidFill>
+          <a:schemeClr val="tx1"/>
+        </a:solidFill>
+        <a:latin typeface="+mn-lt"/>
+        <a:ea typeface="+mn-ea"/>
+        <a:cs typeface="+mn-cs"/>
+      </a:defRPr>
+    </a:lvl7pPr>
+    <a:lvl8pPr marL="3200400" algn="l" defTabSz="914400" rtl="0" eaLnBrk="1" latinLnBrk="0" hangingPunct="1">
+      <a:defRPr sz="1200" kern="1200">
+        <a:solidFill>
+          <a:schemeClr val="tx1"/>
+        </a:solidFill>
+        <a:latin typeface="+mn-lt"/>
+        <a:ea typeface="+mn-ea"/>
+        <a:cs typeface="+mn-cs"/>
+      </a:defRPr>
+    </a:lvl8pPr>
+    <a:lvl9pPr marL="3657600" algn="l" defTabSz="914400" rtl="0" eaLnBrk="1" latinLnBrk="0" hangingPunct="1">
+      <a:defRPr sz="1200" kern="1200">
+        <a:solidFill>
+          <a:schemeClr val="tx1"/>
+        </a:solidFill>
+        <a:latin typeface="+mn-lt"/>
+        <a:ea typeface="+mn-ea"/>
+        <a:cs typeface="+mn-cs"/>
+      </a:defRPr>
+    </a:lvl9pPr>
+  </p:notesStyle>
+</p:notesMaster>
+</file>
+
+<file path=ppt/notesSlides/notesSlide1.xml><?xml version="1.0" encoding="utf-8"?>
+<p:notes xmlns:a="http://schemas.openxmlformats.org/drawingml/2006/main" xmlns:r="http://schemas.openxmlformats.org/officeDocument/2006/relationships" xmlns:p="http://schemas.openxmlformats.org/presentationml/2006/main">
+  <p:cSld>
+    <p:spTree>
+      <p:nvGrpSpPr>
+        <p:cNvPr id="1" name=""/>
+        <p:cNvGrpSpPr/>
+        <p:nvPr/>
+      </p:nvGrpSpPr>
+      <p:grpSpPr>
+        <a:xfrm>
+          <a:off x="0" y="0"/>
+          <a:ext cx="0" cy="0"/>
+          <a:chOff x="0" y="0"/>
+          <a:chExt cx="0" cy="0"/>
+        </a:xfrm>
+      </p:grpSpPr>
+      <p:sp>
+        <p:nvSpPr>
+          <p:cNvPr id="2" name="Folienbildplatzhalter 1"/>
+          <p:cNvSpPr>
+            <a:spLocks noGrp="1" noRot="1" noChangeAspect="1"/>
+          </p:cNvSpPr>
+          <p:nvPr>
+            <p:ph type="sldImg"/>
+          </p:nvPr>
+        </p:nvSpPr>
+        <p:spPr/>
+      </p:sp>
+      <p:sp>
+        <p:nvSpPr>
+          <p:cNvPr id="3" name="Notizenplatzhalter 2"/>
+          <p:cNvSpPr>
+            <a:spLocks noGrp="1"/>
+          </p:cNvSpPr>
+          <p:nvPr>
+            <p:ph type="body" idx="1"/>
+          </p:nvPr>
+        </p:nvSpPr>
+        <p:spPr/>
+        <p:txBody>
+          <a:bodyPr/>
+          <a:lstStyle/>
+          <a:p>
+            <a:endParaRPr lang="de-DE" dirty="0"/>
+          </a:p>
+        </p:txBody>
+      </p:sp>
+      <p:sp>
+        <p:nvSpPr>
+          <p:cNvPr id="4" name="Foliennummernplatzhalter 3"/>
+          <p:cNvSpPr>
+            <a:spLocks noGrp="1"/>
+          </p:cNvSpPr>
+          <p:nvPr>
+            <p:ph type="sldNum" sz="quarter" idx="5"/>
+          </p:nvPr>
+        </p:nvSpPr>
+        <p:spPr/>
+        <p:txBody>
+          <a:bodyPr/>
+          <a:lstStyle/>
+          <a:p>
+            <a:fld id="{860CE767-8144-4215-8C15-D57E51DC9B9B}" type="slidenum">
+              <a:rPr lang="de-DE" smtClean="0"/>
+              <a:t>11</a:t>
+            </a:fld>
+            <a:endParaRPr lang="de-DE"/>
+          </a:p>
+        </p:txBody>
+      </p:sp>
+    </p:spTree>
+    <p:extLst>
+      <p:ext uri="{BB962C8B-B14F-4D97-AF65-F5344CB8AC3E}">
+        <p14:creationId xmlns:p14="http://schemas.microsoft.com/office/powerpoint/2010/main" val="1632306089"/>
+      </p:ext>
+    </p:extLst>
+  </p:cSld>
+  <p:clrMapOvr>
+    <a:masterClrMapping/>
+  </p:clrMapOvr>
+</p:notes>
+</file>
+
 <file path=ppt/slideLayouts/slideLayout1.xml><?xml version="1.0" encoding="utf-8"?>
 <p:sldLayout xmlns:a="http://schemas.openxmlformats.org/drawingml/2006/main" xmlns:r="http://schemas.openxmlformats.org/officeDocument/2006/relationships" xmlns:p="http://schemas.openxmlformats.org/presentationml/2006/main" type="title" preserve="1">
   <p:cSld name="Title Slide">
@@ -279,9 +718,9 @@
           <a:p>
             <a:fld id="{6444479B-705B-4489-957E-7E8A228BDFA0}" type="datetime1">
               <a:rPr lang="en-US" smtClean="0"/>
-              <a:t>5/6/2025</a:t>
+              <a:t>5/13/2025</a:t>
             </a:fld>
-            <a:endParaRPr lang="en-US"/>
+            <a:endParaRPr lang="en-US" dirty="0"/>
           </a:p>
         </p:txBody>
       </p:sp>
@@ -335,7 +774,7 @@
               <a:rPr lang="en-US" smtClean="0"/>
               <a:t>‹Nr.›</a:t>
             </a:fld>
-            <a:endParaRPr lang="en-US"/>
+            <a:endParaRPr lang="en-US" dirty="0"/>
           </a:p>
         </p:txBody>
       </p:sp>
@@ -479,9 +918,9 @@
           <a:p>
             <a:fld id="{C07B66AD-7C08-490A-ADA4-B47E10FB2407}" type="datetime1">
               <a:rPr lang="en-US" smtClean="0"/>
-              <a:t>5/6/2025</a:t>
+              <a:t>5/13/2025</a:t>
             </a:fld>
-            <a:endParaRPr lang="en-US"/>
+            <a:endParaRPr lang="en-US" dirty="0"/>
           </a:p>
         </p:txBody>
       </p:sp>
@@ -535,7 +974,7 @@
               <a:rPr lang="en-US" smtClean="0"/>
               <a:t>‹Nr.›</a:t>
             </a:fld>
-            <a:endParaRPr lang="en-US"/>
+            <a:endParaRPr lang="en-US" dirty="0"/>
           </a:p>
         </p:txBody>
       </p:sp>
@@ -614,7 +1053,7 @@
           <a:lstStyle/>
           <a:p>
             <a:pPr algn="ctr"/>
-            <a:endParaRPr lang="en-US"/>
+            <a:endParaRPr lang="en-US" dirty="0"/>
           </a:p>
         </p:txBody>
       </p:sp>
@@ -738,9 +1177,9 @@
           <a:p>
             <a:fld id="{05B95027-4255-49E7-9841-CD21BCC99996}" type="datetime1">
               <a:rPr lang="en-US" smtClean="0"/>
-              <a:t>5/6/2025</a:t>
+              <a:t>5/13/2025</a:t>
             </a:fld>
-            <a:endParaRPr lang="en-US"/>
+            <a:endParaRPr lang="en-US" dirty="0"/>
           </a:p>
         </p:txBody>
       </p:sp>
@@ -794,7 +1233,7 @@
               <a:rPr lang="en-US" smtClean="0"/>
               <a:t>‹Nr.›</a:t>
             </a:fld>
-            <a:endParaRPr lang="en-US"/>
+            <a:endParaRPr lang="en-US" dirty="0"/>
           </a:p>
         </p:txBody>
       </p:sp>
@@ -979,9 +1418,9 @@
           <a:p>
             <a:fld id="{9F89F774-3FA6-43B8-9241-99959C8FD463}" type="datetime1">
               <a:rPr lang="en-US" smtClean="0"/>
-              <a:t>5/6/2025</a:t>
+              <a:t>5/13/2025</a:t>
             </a:fld>
-            <a:endParaRPr lang="en-US"/>
+            <a:endParaRPr lang="en-US" dirty="0"/>
           </a:p>
         </p:txBody>
       </p:sp>
@@ -1035,7 +1474,7 @@
               <a:rPr lang="en-US" smtClean="0"/>
               <a:t>‹Nr.›</a:t>
             </a:fld>
-            <a:endParaRPr lang="en-US"/>
+            <a:endParaRPr lang="en-US" dirty="0"/>
           </a:p>
         </p:txBody>
       </p:sp>
@@ -1114,7 +1553,7 @@
           <a:lstStyle/>
           <a:p>
             <a:pPr algn="ctr"/>
-            <a:endParaRPr lang="en-US"/>
+            <a:endParaRPr lang="en-US" dirty="0"/>
           </a:p>
         </p:txBody>
       </p:sp>
@@ -1306,9 +1745,9 @@
           <a:p>
             <a:fld id="{F9504452-5DCC-4FE2-A5C9-8A5EF6714D65}" type="datetime1">
               <a:rPr lang="en-US" smtClean="0"/>
-              <a:t>5/6/2025</a:t>
+              <a:t>5/13/2025</a:t>
             </a:fld>
-            <a:endParaRPr lang="en-US"/>
+            <a:endParaRPr lang="en-US" dirty="0"/>
           </a:p>
         </p:txBody>
       </p:sp>
@@ -1362,7 +1801,7 @@
               <a:rPr lang="en-US" smtClean="0"/>
               <a:t>‹Nr.›</a:t>
             </a:fld>
-            <a:endParaRPr lang="en-US"/>
+            <a:endParaRPr lang="en-US" dirty="0"/>
           </a:p>
         </p:txBody>
       </p:sp>
@@ -1616,9 +2055,9 @@
           <a:p>
             <a:fld id="{E579ABC2-0180-4F3A-A895-A85BC724D472}" type="datetime1">
               <a:rPr lang="en-US" smtClean="0"/>
-              <a:t>5/6/2025</a:t>
+              <a:t>5/13/2025</a:t>
             </a:fld>
-            <a:endParaRPr lang="en-US"/>
+            <a:endParaRPr lang="en-US" dirty="0"/>
           </a:p>
         </p:txBody>
       </p:sp>
@@ -1672,7 +2111,7 @@
               <a:rPr lang="en-US" smtClean="0"/>
               <a:t>‹Nr.›</a:t>
             </a:fld>
-            <a:endParaRPr lang="en-US"/>
+            <a:endParaRPr lang="en-US" dirty="0"/>
           </a:p>
         </p:txBody>
       </p:sp>
@@ -2034,9 +2473,9 @@
           <a:p>
             <a:fld id="{6AEEA9BA-4E8F-439E-BEA4-91FBA01E3F5F}" type="datetime1">
               <a:rPr lang="en-US" smtClean="0"/>
-              <a:t>5/6/2025</a:t>
+              <a:t>5/13/2025</a:t>
             </a:fld>
-            <a:endParaRPr lang="en-US"/>
+            <a:endParaRPr lang="en-US" dirty="0"/>
           </a:p>
         </p:txBody>
       </p:sp>
@@ -2090,7 +2529,7 @@
               <a:rPr lang="en-US" smtClean="0"/>
               <a:t>‹Nr.›</a:t>
             </a:fld>
-            <a:endParaRPr lang="en-US"/>
+            <a:endParaRPr lang="en-US" dirty="0"/>
           </a:p>
         </p:txBody>
       </p:sp>
@@ -2176,9 +2615,9 @@
           <a:p>
             <a:fld id="{BE15BF18-0007-481C-AA29-413124BC3EE7}" type="datetime1">
               <a:rPr lang="en-US" smtClean="0"/>
-              <a:t>5/6/2025</a:t>
+              <a:t>5/13/2025</a:t>
             </a:fld>
-            <a:endParaRPr lang="en-US"/>
+            <a:endParaRPr lang="en-US" dirty="0"/>
           </a:p>
         </p:txBody>
       </p:sp>
@@ -2232,7 +2671,7 @@
               <a:rPr lang="en-US" smtClean="0"/>
               <a:t>‹Nr.›</a:t>
             </a:fld>
-            <a:endParaRPr lang="en-US"/>
+            <a:endParaRPr lang="en-US" dirty="0"/>
           </a:p>
         </p:txBody>
       </p:sp>
@@ -2311,7 +2750,7 @@
           <a:lstStyle/>
           <a:p>
             <a:pPr algn="ctr"/>
-            <a:endParaRPr lang="en-US"/>
+            <a:endParaRPr lang="en-US" dirty="0"/>
           </a:p>
         </p:txBody>
       </p:sp>
@@ -2338,9 +2777,9 @@
           <a:p>
             <a:fld id="{09BE9870-3748-43AD-B547-02A075CB4A1D}" type="datetime1">
               <a:rPr lang="en-US" smtClean="0"/>
-              <a:t>5/6/2025</a:t>
+              <a:t>5/13/2025</a:t>
             </a:fld>
-            <a:endParaRPr lang="en-US"/>
+            <a:endParaRPr lang="en-US" dirty="0"/>
           </a:p>
         </p:txBody>
       </p:sp>
@@ -2394,7 +2833,7 @@
               <a:rPr lang="en-US" smtClean="0"/>
               <a:t>‹Nr.›</a:t>
             </a:fld>
-            <a:endParaRPr lang="en-US"/>
+            <a:endParaRPr lang="en-US" dirty="0"/>
           </a:p>
         </p:txBody>
       </p:sp>
@@ -2655,9 +3094,9 @@
           <a:p>
             <a:fld id="{558E7897-33C5-4F1A-9307-D068E37F3DC7}" type="datetime1">
               <a:rPr lang="en-US" smtClean="0"/>
-              <a:t>5/6/2025</a:t>
+              <a:t>5/13/2025</a:t>
             </a:fld>
-            <a:endParaRPr lang="en-US"/>
+            <a:endParaRPr lang="en-US" dirty="0"/>
           </a:p>
         </p:txBody>
       </p:sp>
@@ -2711,7 +3150,7 @@
               <a:rPr lang="en-US" smtClean="0"/>
               <a:t>‹Nr.›</a:t>
             </a:fld>
-            <a:endParaRPr lang="en-US"/>
+            <a:endParaRPr lang="en-US" dirty="0"/>
           </a:p>
         </p:txBody>
       </p:sp>
@@ -2849,10 +3288,9 @@
           </a:lstStyle>
           <a:p>
             <a:r>
-              <a:rPr lang="en-US"/>
+              <a:rPr lang="en-US" dirty="0"/>
               <a:t>Click icon to add picture</a:t>
             </a:r>
-            <a:endParaRPr lang="en-US" dirty="0"/>
           </a:p>
         </p:txBody>
       </p:sp>
@@ -2950,9 +3388,9 @@
           <a:p>
             <a:fld id="{82E171BA-CC09-47C8-A6DF-F5C5CB59CEEC}" type="datetime1">
               <a:rPr lang="en-US" smtClean="0"/>
-              <a:t>5/6/2025</a:t>
+              <a:t>5/13/2025</a:t>
             </a:fld>
-            <a:endParaRPr lang="en-US"/>
+            <a:endParaRPr lang="en-US" dirty="0"/>
           </a:p>
         </p:txBody>
       </p:sp>
@@ -3006,7 +3444,7 @@
               <a:rPr lang="en-US" smtClean="0"/>
               <a:t>‹Nr.›</a:t>
             </a:fld>
-            <a:endParaRPr lang="en-US"/>
+            <a:endParaRPr lang="en-US" dirty="0"/>
           </a:p>
         </p:txBody>
       </p:sp>
@@ -3191,9 +3629,9 @@
           <a:p>
             <a:fld id="{7DA38F49-B3E2-4BF0-BEC7-C30D34ABBB8D}" type="datetime1">
               <a:rPr lang="en-US" smtClean="0"/>
-              <a:t>5/6/2025</a:t>
+              <a:t>5/13/2025</a:t>
             </a:fld>
-            <a:endParaRPr lang="en-US"/>
+            <a:endParaRPr lang="en-US" dirty="0"/>
           </a:p>
         </p:txBody>
       </p:sp>
@@ -3279,7 +3717,7 @@
               <a:rPr lang="en-US" smtClean="0"/>
               <a:t>‹Nr.›</a:t>
             </a:fld>
-            <a:endParaRPr lang="en-US"/>
+            <a:endParaRPr lang="en-US" dirty="0"/>
           </a:p>
         </p:txBody>
       </p:sp>
@@ -3732,7 +4170,7 @@
           <a:lstStyle/>
           <a:p>
             <a:pPr algn="ctr"/>
-            <a:endParaRPr lang="en-US"/>
+            <a:endParaRPr lang="en-US" dirty="0"/>
           </a:p>
         </p:txBody>
       </p:sp>
@@ -3837,7 +4275,7 @@
           <a:lstStyle/>
           <a:p>
             <a:pPr algn="ctr"/>
-            <a:endParaRPr lang="en-US"/>
+            <a:endParaRPr lang="en-US" dirty="0"/>
           </a:p>
         </p:txBody>
       </p:sp>
@@ -3994,7 +4432,7 @@
           <p:cNvPr id="2" name="Titel 1">
             <a:extLst>
               <a:ext uri="{FF2B5EF4-FFF2-40B4-BE49-F238E27FC236}">
-                <a16:creationId xmlns:a16="http://schemas.microsoft.com/office/drawing/2014/main" id="{7F830221-F4EE-0ECA-E181-CAFFC96F5D93}"/>
+                <a16:creationId xmlns:a16="http://schemas.microsoft.com/office/drawing/2014/main" id="{B0D19AC9-221C-48B2-F081-2F11B630C392}"/>
               </a:ext>
             </a:extLst>
           </p:cNvPr>
@@ -4007,8 +4445,8 @@
         </p:nvSpPr>
         <p:spPr>
           <a:xfrm>
-            <a:off x="640080" y="-107987"/>
-            <a:ext cx="11551920" cy="1532710"/>
+            <a:off x="640079" y="446316"/>
+            <a:ext cx="10890929" cy="1097280"/>
           </a:xfrm>
         </p:spPr>
         <p:txBody>
@@ -4019,7 +4457,7 @@
           <a:p>
             <a:r>
               <a:rPr lang="de-DE" dirty="0"/>
-              <a:t>Implementation eines C# Clients zum senden und empfangen von MQTT-Nachrichten</a:t>
+              <a:t>Das MQTT-Protokoll</a:t>
             </a:r>
             <a:br>
               <a:rPr lang="de-DE" dirty="0"/>
@@ -4033,7 +4471,7 @@
           <p:cNvPr id="3" name="Inhaltsplatzhalter 2">
             <a:extLst>
               <a:ext uri="{FF2B5EF4-FFF2-40B4-BE49-F238E27FC236}">
-                <a16:creationId xmlns:a16="http://schemas.microsoft.com/office/drawing/2014/main" id="{36D4527A-B0D5-E17A-3063-AA05698C2337}"/>
+                <a16:creationId xmlns:a16="http://schemas.microsoft.com/office/drawing/2014/main" id="{2795F177-D998-FEA4-669C-3BE9F19832B1}"/>
               </a:ext>
             </a:extLst>
           </p:cNvPr>
@@ -4046,7 +4484,7 @@
         </p:nvSpPr>
         <p:spPr>
           <a:xfrm>
-            <a:off x="660992" y="1218329"/>
+            <a:off x="660993" y="1294529"/>
             <a:ext cx="10890928" cy="3566160"/>
           </a:xfrm>
         </p:spPr>
@@ -4054,6 +4492,40 @@
           <a:bodyPr/>
           <a:lstStyle/>
           <a:p>
+            <a:r>
+              <a:rPr lang="de-DE" dirty="0"/>
+              <a:t>Versendet nur geringe Datenmenge </a:t>
+            </a:r>
+            <a:r>
+              <a:rPr lang="de-DE" dirty="0">
+                <a:sym typeface="Wingdings" panose="05000000000000000000" pitchFamily="2" charset="2"/>
+              </a:rPr>
+              <a:t> Für die meisten Geräte geeignet</a:t>
+            </a:r>
+          </a:p>
+          <a:p>
+            <a:r>
+              <a:rPr lang="de-DE" dirty="0">
+                <a:sym typeface="Wingdings" panose="05000000000000000000" pitchFamily="2" charset="2"/>
+              </a:rPr>
+              <a:t>Authentifizierung möglich</a:t>
+            </a:r>
+          </a:p>
+          <a:p>
+            <a:r>
+              <a:rPr lang="de-DE" dirty="0">
+                <a:sym typeface="Wingdings" panose="05000000000000000000" pitchFamily="2" charset="2"/>
+              </a:rPr>
+              <a:t>Verschlüsselung über SSL/TLS möglich</a:t>
+            </a:r>
+          </a:p>
+          <a:p>
+            <a:r>
+              <a:rPr lang="de-DE" dirty="0">
+                <a:sym typeface="Wingdings" panose="05000000000000000000" pitchFamily="2" charset="2"/>
+              </a:rPr>
+              <a:t>Kommunikation nach Publish/Subscribe Prinzip</a:t>
+            </a:r>
             <a:endParaRPr lang="de-DE" dirty="0"/>
           </a:p>
         </p:txBody>
@@ -4061,7 +4533,7 @@
     </p:spTree>
     <p:extLst>
       <p:ext uri="{BB962C8B-B14F-4D97-AF65-F5344CB8AC3E}">
-        <p14:creationId xmlns:p14="http://schemas.microsoft.com/office/powerpoint/2010/main" val="3014591121"/>
+        <p14:creationId xmlns:p14="http://schemas.microsoft.com/office/powerpoint/2010/main" val="1146587856"/>
       </p:ext>
     </p:extLst>
   </p:cSld>
@@ -4076,7 +4548,13 @@
   <p:cSld>
     <p:spTree>
       <p:nvGrpSpPr>
-        <p:cNvPr id="1" name=""/>
+        <p:cNvPr id="1" name="">
+          <a:extLst>
+            <a:ext uri="{FF2B5EF4-FFF2-40B4-BE49-F238E27FC236}">
+              <a16:creationId xmlns:a16="http://schemas.microsoft.com/office/drawing/2014/main" id="{51590346-4F51-C3DF-C183-E9106F5C3AEE}"/>
+            </a:ext>
+          </a:extLst>
+        </p:cNvPr>
         <p:cNvGrpSpPr/>
         <p:nvPr/>
       </p:nvGrpSpPr>
@@ -4093,7 +4571,7 @@
           <p:cNvPr id="2" name="Titel 1">
             <a:extLst>
               <a:ext uri="{FF2B5EF4-FFF2-40B4-BE49-F238E27FC236}">
-                <a16:creationId xmlns:a16="http://schemas.microsoft.com/office/drawing/2014/main" id="{B0D19AC9-221C-48B2-F081-2F11B630C392}"/>
+                <a16:creationId xmlns:a16="http://schemas.microsoft.com/office/drawing/2014/main" id="{D8D7DAF4-F5C4-8029-F447-289945010711}"/>
               </a:ext>
             </a:extLst>
           </p:cNvPr>
@@ -4112,18 +4590,22 @@
         </p:spPr>
         <p:txBody>
           <a:bodyPr>
-            <a:normAutofit fontScale="90000"/>
+            <a:normAutofit/>
           </a:bodyPr>
           <a:lstStyle/>
           <a:p>
             <a:r>
               <a:rPr lang="de-DE" dirty="0"/>
-              <a:t>Genauerer Einblick in das MQTT-Protokoll</a:t>
-            </a:r>
-            <a:br>
+              <a:t>Quality </a:t>
+            </a:r>
+            <a:r>
+              <a:rPr lang="de-DE" dirty="0" err="1"/>
+              <a:t>of</a:t>
+            </a:r>
+            <a:r>
               <a:rPr lang="de-DE" dirty="0"/>
-            </a:br>
-            <a:endParaRPr lang="de-DE" dirty="0"/>
+              <a:t> Service (QoS)</a:t>
+            </a:r>
           </a:p>
         </p:txBody>
       </p:sp>
@@ -4132,7 +4614,7 @@
           <p:cNvPr id="3" name="Inhaltsplatzhalter 2">
             <a:extLst>
               <a:ext uri="{FF2B5EF4-FFF2-40B4-BE49-F238E27FC236}">
-                <a16:creationId xmlns:a16="http://schemas.microsoft.com/office/drawing/2014/main" id="{2795F177-D998-FEA4-669C-3BE9F19832B1}"/>
+                <a16:creationId xmlns:a16="http://schemas.microsoft.com/office/drawing/2014/main" id="{B2D684C6-6EB0-A09C-0F8E-481110F1C973}"/>
               </a:ext>
             </a:extLst>
           </p:cNvPr>
@@ -4153,14 +4635,80 @@
           <a:bodyPr/>
           <a:lstStyle/>
           <a:p>
-            <a:endParaRPr lang="de-DE" dirty="0"/>
+            <a:r>
+              <a:rPr lang="de-DE" dirty="0"/>
+              <a:t>Legt fest, wie oft eine Nachricht versendet wird.</a:t>
+            </a:r>
+          </a:p>
+          <a:p>
+            <a:r>
+              <a:rPr lang="de-DE" dirty="0"/>
+              <a:t>3 verschiedene Stufen</a:t>
+            </a:r>
+          </a:p>
+          <a:p>
+            <a:pPr lvl="1"/>
+            <a:r>
+              <a:rPr lang="de-DE" dirty="0"/>
+              <a:t>At </a:t>
+            </a:r>
+            <a:r>
+              <a:rPr lang="de-DE" dirty="0" err="1"/>
+              <a:t>most</a:t>
+            </a:r>
+            <a:r>
+              <a:rPr lang="de-DE" dirty="0"/>
+              <a:t> </a:t>
+            </a:r>
+            <a:r>
+              <a:rPr lang="de-DE" dirty="0" err="1"/>
+              <a:t>once</a:t>
+            </a:r>
+            <a:r>
+              <a:rPr lang="de-DE" dirty="0"/>
+              <a:t> (Maximal einmal)</a:t>
+            </a:r>
+          </a:p>
+          <a:p>
+            <a:pPr lvl="1"/>
+            <a:r>
+              <a:rPr lang="de-DE" dirty="0"/>
+              <a:t>At least </a:t>
+            </a:r>
+            <a:r>
+              <a:rPr lang="de-DE" dirty="0" err="1"/>
+              <a:t>once</a:t>
+            </a:r>
+            <a:r>
+              <a:rPr lang="de-DE" dirty="0"/>
+              <a:t> (Mindestens einmal)</a:t>
+            </a:r>
+          </a:p>
+          <a:p>
+            <a:pPr lvl="1"/>
+            <a:r>
+              <a:rPr lang="de-DE" dirty="0" err="1"/>
+              <a:t>Exactly</a:t>
+            </a:r>
+            <a:r>
+              <a:rPr lang="de-DE" dirty="0"/>
+              <a:t> </a:t>
+            </a:r>
+            <a:r>
+              <a:rPr lang="de-DE" dirty="0" err="1"/>
+              <a:t>once</a:t>
+            </a:r>
+            <a:r>
+              <a:rPr lang="de-DE" dirty="0"/>
+              <a:t> (Genau einmal)</a:t>
+            </a:r>
           </a:p>
         </p:txBody>
       </p:sp>
     </p:spTree>
     <p:extLst>
       <p:ext uri="{BB962C8B-B14F-4D97-AF65-F5344CB8AC3E}">
-        <p14:creationId xmlns:p14="http://schemas.microsoft.com/office/powerpoint/2010/main" val="1146587856"/>
+        <p14:creationId xmlns:p14="http://schemas.microsoft.com/office/powerpoint/2010/main" val="1021619917"/>
       </p:ext>
     </p:extLst>
   </p:cSld>
@@ -4192,7 +4740,7 @@
           <p:cNvPr id="2" name="Titel 1">
             <a:extLst>
               <a:ext uri="{FF2B5EF4-FFF2-40B4-BE49-F238E27FC236}">
-                <a16:creationId xmlns:a16="http://schemas.microsoft.com/office/drawing/2014/main" id="{FD938BA7-7401-E1AC-D761-AFE01F3D33C6}"/>
+                <a16:creationId xmlns:a16="http://schemas.microsoft.com/office/drawing/2014/main" id="{7F830221-F4EE-0ECA-E181-CAFFC96F5D93}"/>
               </a:ext>
             </a:extLst>
           </p:cNvPr>
@@ -4205,8 +4753,8 @@
         </p:nvSpPr>
         <p:spPr>
           <a:xfrm>
-            <a:off x="650535" y="457201"/>
-            <a:ext cx="10890929" cy="1097280"/>
+            <a:off x="640080" y="-107987"/>
+            <a:ext cx="11551920" cy="1532710"/>
           </a:xfrm>
         </p:spPr>
         <p:txBody>
@@ -4217,7 +4765,7 @@
           <a:p>
             <a:r>
               <a:rPr lang="de-DE" dirty="0"/>
-              <a:t>Datenübertragungssicherheit per Zertifikat</a:t>
+              <a:t>Implementation eines C# Clients zum senden und empfangen von MQTT-Nachrichten</a:t>
             </a:r>
             <a:br>
               <a:rPr lang="de-DE" dirty="0"/>
@@ -4231,7 +4779,109 @@
           <p:cNvPr id="3" name="Inhaltsplatzhalter 2">
             <a:extLst>
               <a:ext uri="{FF2B5EF4-FFF2-40B4-BE49-F238E27FC236}">
-                <a16:creationId xmlns:a16="http://schemas.microsoft.com/office/drawing/2014/main" id="{7F29AB7C-49B3-E55A-866A-880009763025}"/>
+                <a16:creationId xmlns:a16="http://schemas.microsoft.com/office/drawing/2014/main" id="{36D4527A-B0D5-E17A-3063-AA05698C2337}"/>
+              </a:ext>
+            </a:extLst>
+          </p:cNvPr>
+          <p:cNvSpPr>
+            <a:spLocks noGrp="1"/>
+          </p:cNvSpPr>
+          <p:nvPr>
+            <p:ph idx="1"/>
+          </p:nvPr>
+        </p:nvSpPr>
+        <p:spPr>
+          <a:xfrm>
+            <a:off x="660992" y="1218329"/>
+            <a:ext cx="10890928" cy="3566160"/>
+          </a:xfrm>
+        </p:spPr>
+        <p:txBody>
+          <a:bodyPr/>
+          <a:lstStyle/>
+          <a:p>
+            <a:r>
+              <a:rPr lang="de-DE" dirty="0"/>
+              <a:t>Nutzung von https://test.mosquitto.org/</a:t>
+            </a:r>
+          </a:p>
+        </p:txBody>
+      </p:sp>
+    </p:spTree>
+    <p:extLst>
+      <p:ext uri="{BB962C8B-B14F-4D97-AF65-F5344CB8AC3E}">
+        <p14:creationId xmlns:p14="http://schemas.microsoft.com/office/powerpoint/2010/main" val="3014591121"/>
+      </p:ext>
+    </p:extLst>
+  </p:cSld>
+  <p:clrMapOvr>
+    <a:masterClrMapping/>
+  </p:clrMapOvr>
+</p:sld>
+</file>
+
+<file path=ppt/slides/slide13.xml><?xml version="1.0" encoding="utf-8"?>
+<p:sld xmlns:a="http://schemas.openxmlformats.org/drawingml/2006/main" xmlns:r="http://schemas.openxmlformats.org/officeDocument/2006/relationships" xmlns:p="http://schemas.openxmlformats.org/presentationml/2006/main">
+  <p:cSld>
+    <p:spTree>
+      <p:nvGrpSpPr>
+        <p:cNvPr id="1" name=""/>
+        <p:cNvGrpSpPr/>
+        <p:nvPr/>
+      </p:nvGrpSpPr>
+      <p:grpSpPr>
+        <a:xfrm>
+          <a:off x="0" y="0"/>
+          <a:ext cx="0" cy="0"/>
+          <a:chOff x="0" y="0"/>
+          <a:chExt cx="0" cy="0"/>
+        </a:xfrm>
+      </p:grpSpPr>
+      <p:sp>
+        <p:nvSpPr>
+          <p:cNvPr id="2" name="Titel 1">
+            <a:extLst>
+              <a:ext uri="{FF2B5EF4-FFF2-40B4-BE49-F238E27FC236}">
+                <a16:creationId xmlns:a16="http://schemas.microsoft.com/office/drawing/2014/main" id="{FD938BA7-7401-E1AC-D761-AFE01F3D33C6}"/>
+              </a:ext>
+            </a:extLst>
+          </p:cNvPr>
+          <p:cNvSpPr>
+            <a:spLocks noGrp="1"/>
+          </p:cNvSpPr>
+          <p:nvPr>
+            <p:ph type="title"/>
+          </p:nvPr>
+        </p:nvSpPr>
+        <p:spPr>
+          <a:xfrm>
+            <a:off x="650535" y="457201"/>
+            <a:ext cx="10890929" cy="1097280"/>
+          </a:xfrm>
+        </p:spPr>
+        <p:txBody>
+          <a:bodyPr>
+            <a:normAutofit fontScale="90000"/>
+          </a:bodyPr>
+          <a:lstStyle/>
+          <a:p>
+            <a:r>
+              <a:rPr lang="de-DE" dirty="0"/>
+              <a:t>Datenübertragungssicherheit per Zertifikat</a:t>
+            </a:r>
+            <a:br>
+              <a:rPr lang="de-DE" dirty="0"/>
+            </a:br>
+            <a:endParaRPr lang="de-DE" dirty="0"/>
+          </a:p>
+        </p:txBody>
+      </p:sp>
+      <p:sp>
+        <p:nvSpPr>
+          <p:cNvPr id="7" name="Inhaltsplatzhalter 6">
+            <a:extLst>
+              <a:ext uri="{FF2B5EF4-FFF2-40B4-BE49-F238E27FC236}">
+                <a16:creationId xmlns:a16="http://schemas.microsoft.com/office/drawing/2014/main" id="{DE3B29D4-3BC9-C095-0B0A-37F51553B942}"/>
               </a:ext>
             </a:extLst>
           </p:cNvPr>
@@ -4255,6 +4905,310 @@
     <p:extLst>
       <p:ext uri="{BB962C8B-B14F-4D97-AF65-F5344CB8AC3E}">
         <p14:creationId xmlns:p14="http://schemas.microsoft.com/office/powerpoint/2010/main" val="442645338"/>
+      </p:ext>
+    </p:extLst>
+  </p:cSld>
+  <p:clrMapOvr>
+    <a:masterClrMapping/>
+  </p:clrMapOvr>
+</p:sld>
+</file>
+
+<file path=ppt/slides/slide14.xml><?xml version="1.0" encoding="utf-8"?>
+<p:sld xmlns:a="http://schemas.openxmlformats.org/drawingml/2006/main" xmlns:r="http://schemas.openxmlformats.org/officeDocument/2006/relationships" xmlns:p="http://schemas.openxmlformats.org/presentationml/2006/main">
+  <p:cSld>
+    <p:spTree>
+      <p:nvGrpSpPr>
+        <p:cNvPr id="1" name="">
+          <a:extLst>
+            <a:ext uri="{FF2B5EF4-FFF2-40B4-BE49-F238E27FC236}">
+              <a16:creationId xmlns:a16="http://schemas.microsoft.com/office/drawing/2014/main" id="{F1D163DA-C2D9-F9F3-FC40-3A7CB8B225DF}"/>
+            </a:ext>
+          </a:extLst>
+        </p:cNvPr>
+        <p:cNvGrpSpPr/>
+        <p:nvPr/>
+      </p:nvGrpSpPr>
+      <p:grpSpPr>
+        <a:xfrm>
+          <a:off x="0" y="0"/>
+          <a:ext cx="0" cy="0"/>
+          <a:chOff x="0" y="0"/>
+          <a:chExt cx="0" cy="0"/>
+        </a:xfrm>
+      </p:grpSpPr>
+      <p:sp>
+        <p:nvSpPr>
+          <p:cNvPr id="2" name="Titel 1">
+            <a:extLst>
+              <a:ext uri="{FF2B5EF4-FFF2-40B4-BE49-F238E27FC236}">
+                <a16:creationId xmlns:a16="http://schemas.microsoft.com/office/drawing/2014/main" id="{C1C9806F-8EA5-E607-AD4B-726AD6B05A8E}"/>
+              </a:ext>
+            </a:extLst>
+          </p:cNvPr>
+          <p:cNvSpPr>
+            <a:spLocks noGrp="1"/>
+          </p:cNvSpPr>
+          <p:nvPr>
+            <p:ph type="title"/>
+          </p:nvPr>
+        </p:nvSpPr>
+        <p:spPr>
+          <a:xfrm>
+            <a:off x="650535" y="457201"/>
+            <a:ext cx="10890929" cy="1097280"/>
+          </a:xfrm>
+        </p:spPr>
+        <p:txBody>
+          <a:bodyPr>
+            <a:normAutofit/>
+          </a:bodyPr>
+          <a:lstStyle/>
+          <a:p>
+            <a:r>
+              <a:rPr lang="de-DE" dirty="0"/>
+              <a:t>Ein Zertifikat erstellen</a:t>
+            </a:r>
+          </a:p>
+        </p:txBody>
+      </p:sp>
+      <p:sp>
+        <p:nvSpPr>
+          <p:cNvPr id="7" name="Inhaltsplatzhalter 6">
+            <a:extLst>
+              <a:ext uri="{FF2B5EF4-FFF2-40B4-BE49-F238E27FC236}">
+                <a16:creationId xmlns:a16="http://schemas.microsoft.com/office/drawing/2014/main" id="{505FB27E-8CC7-7F9F-376A-AB9698E66148}"/>
+              </a:ext>
+            </a:extLst>
+          </p:cNvPr>
+          <p:cNvSpPr>
+            <a:spLocks noGrp="1"/>
+          </p:cNvSpPr>
+          <p:nvPr>
+            <p:ph idx="1"/>
+          </p:nvPr>
+        </p:nvSpPr>
+        <p:spPr/>
+        <p:txBody>
+          <a:bodyPr/>
+          <a:lstStyle/>
+          <a:p>
+            <a:endParaRPr lang="de-DE" dirty="0"/>
+          </a:p>
+        </p:txBody>
+      </p:sp>
+      <p:pic>
+        <p:nvPicPr>
+          <p:cNvPr id="9" name="Grafik 8">
+            <a:extLst>
+              <a:ext uri="{FF2B5EF4-FFF2-40B4-BE49-F238E27FC236}">
+                <a16:creationId xmlns:a16="http://schemas.microsoft.com/office/drawing/2014/main" id="{36134BF3-A375-C074-5A4E-DB7D5D2131EF}"/>
+              </a:ext>
+            </a:extLst>
+          </p:cNvPr>
+          <p:cNvPicPr>
+            <a:picLocks noChangeAspect="1"/>
+          </p:cNvPicPr>
+          <p:nvPr/>
+        </p:nvPicPr>
+        <p:blipFill>
+          <a:blip r:embed="rId2"/>
+          <a:stretch>
+            <a:fillRect/>
+          </a:stretch>
+        </p:blipFill>
+        <p:spPr>
+          <a:xfrm>
+            <a:off x="64904" y="1298528"/>
+            <a:ext cx="12041280" cy="1590897"/>
+          </a:xfrm>
+          <a:prstGeom prst="rect">
+            <a:avLst/>
+          </a:prstGeom>
+        </p:spPr>
+      </p:pic>
+    </p:spTree>
+    <p:extLst>
+      <p:ext uri="{BB962C8B-B14F-4D97-AF65-F5344CB8AC3E}">
+        <p14:creationId xmlns:p14="http://schemas.microsoft.com/office/powerpoint/2010/main" val="973164550"/>
+      </p:ext>
+    </p:extLst>
+  </p:cSld>
+  <p:clrMapOvr>
+    <a:masterClrMapping/>
+  </p:clrMapOvr>
+</p:sld>
+</file>
+
+<file path=ppt/slides/slide15.xml><?xml version="1.0" encoding="utf-8"?>
+<p:sld xmlns:a="http://schemas.openxmlformats.org/drawingml/2006/main" xmlns:r="http://schemas.openxmlformats.org/officeDocument/2006/relationships" xmlns:p="http://schemas.openxmlformats.org/presentationml/2006/main">
+  <p:cSld>
+    <p:bg>
+      <p:bgPr>
+        <a:solidFill>
+          <a:srgbClr val="1E1E1E"/>
+        </a:solidFill>
+        <a:effectLst/>
+      </p:bgPr>
+    </p:bg>
+    <p:spTree>
+      <p:nvGrpSpPr>
+        <p:cNvPr id="1" name="">
+          <a:extLst>
+            <a:ext uri="{FF2B5EF4-FFF2-40B4-BE49-F238E27FC236}">
+              <a16:creationId xmlns:a16="http://schemas.microsoft.com/office/drawing/2014/main" id="{A997F883-7313-5BF6-293C-BDABAD3B1E89}"/>
+            </a:ext>
+          </a:extLst>
+        </p:cNvPr>
+        <p:cNvGrpSpPr/>
+        <p:nvPr/>
+      </p:nvGrpSpPr>
+      <p:grpSpPr>
+        <a:xfrm>
+          <a:off x="0" y="0"/>
+          <a:ext cx="0" cy="0"/>
+          <a:chOff x="0" y="0"/>
+          <a:chExt cx="0" cy="0"/>
+        </a:xfrm>
+      </p:grpSpPr>
+      <p:sp>
+        <p:nvSpPr>
+          <p:cNvPr id="2" name="Titel 1">
+            <a:extLst>
+              <a:ext uri="{FF2B5EF4-FFF2-40B4-BE49-F238E27FC236}">
+                <a16:creationId xmlns:a16="http://schemas.microsoft.com/office/drawing/2014/main" id="{09E026EB-AEE8-FE20-44CC-8002ACDDF998}"/>
+              </a:ext>
+            </a:extLst>
+          </p:cNvPr>
+          <p:cNvSpPr>
+            <a:spLocks noGrp="1"/>
+          </p:cNvSpPr>
+          <p:nvPr>
+            <p:ph type="title"/>
+          </p:nvPr>
+        </p:nvSpPr>
+        <p:spPr>
+          <a:xfrm>
+            <a:off x="650535" y="457201"/>
+            <a:ext cx="10890929" cy="1097280"/>
+          </a:xfrm>
+        </p:spPr>
+        <p:txBody>
+          <a:bodyPr>
+            <a:normAutofit fontScale="90000"/>
+          </a:bodyPr>
+          <a:lstStyle/>
+          <a:p>
+            <a:r>
+              <a:rPr lang="de-DE" dirty="0">
+                <a:solidFill>
+                  <a:schemeClr val="bg1"/>
+                </a:solidFill>
+              </a:rPr>
+              <a:t>Zertifikat in </a:t>
+            </a:r>
+            <a:br>
+              <a:rPr lang="de-DE" dirty="0">
+                <a:solidFill>
+                  <a:schemeClr val="bg1"/>
+                </a:solidFill>
+              </a:rPr>
+            </a:br>
+            <a:r>
+              <a:rPr lang="de-DE" dirty="0">
+                <a:solidFill>
+                  <a:schemeClr val="bg1"/>
+                </a:solidFill>
+              </a:rPr>
+              <a:t>C# verwenden</a:t>
+            </a:r>
+          </a:p>
+        </p:txBody>
+      </p:sp>
+      <p:pic>
+        <p:nvPicPr>
+          <p:cNvPr id="13" name="Grafik 12">
+            <a:extLst>
+              <a:ext uri="{FF2B5EF4-FFF2-40B4-BE49-F238E27FC236}">
+                <a16:creationId xmlns:a16="http://schemas.microsoft.com/office/drawing/2014/main" id="{654B9039-280C-671C-E539-B12F16327793}"/>
+              </a:ext>
+            </a:extLst>
+          </p:cNvPr>
+          <p:cNvPicPr>
+            <a:picLocks noChangeAspect="1"/>
+          </p:cNvPicPr>
+          <p:nvPr/>
+        </p:nvPicPr>
+        <p:blipFill>
+          <a:blip r:embed="rId2"/>
+          <a:stretch>
+            <a:fillRect/>
+          </a:stretch>
+        </p:blipFill>
+        <p:spPr>
+          <a:xfrm>
+            <a:off x="127059" y="2535646"/>
+            <a:ext cx="8249801" cy="3400900"/>
+          </a:xfrm>
+          <a:prstGeom prst="rect">
+            <a:avLst/>
+          </a:prstGeom>
+          <a:ln>
+            <a:noFill/>
+          </a:ln>
+          <a:effectLst>
+            <a:outerShdw blurRad="190500" algn="tl" rotWithShape="0">
+              <a:srgbClr val="000000">
+                <a:alpha val="70000"/>
+              </a:srgbClr>
+            </a:outerShdw>
+          </a:effectLst>
+        </p:spPr>
+      </p:pic>
+      <p:pic>
+        <p:nvPicPr>
+          <p:cNvPr id="7" name="Grafik 6">
+            <a:extLst>
+              <a:ext uri="{FF2B5EF4-FFF2-40B4-BE49-F238E27FC236}">
+                <a16:creationId xmlns:a16="http://schemas.microsoft.com/office/drawing/2014/main" id="{06FD451B-7B43-211F-9DF4-CFDD6110F1AB}"/>
+              </a:ext>
+            </a:extLst>
+          </p:cNvPr>
+          <p:cNvPicPr>
+            <a:picLocks noChangeAspect="1"/>
+          </p:cNvPicPr>
+          <p:nvPr/>
+        </p:nvPicPr>
+        <p:blipFill>
+          <a:blip r:embed="rId3"/>
+          <a:stretch>
+            <a:fillRect/>
+          </a:stretch>
+        </p:blipFill>
+        <p:spPr>
+          <a:xfrm>
+            <a:off x="4343400" y="137161"/>
+            <a:ext cx="6935168" cy="3381847"/>
+          </a:xfrm>
+          <a:prstGeom prst="rect">
+            <a:avLst/>
+          </a:prstGeom>
+          <a:ln>
+            <a:noFill/>
+          </a:ln>
+          <a:effectLst>
+            <a:outerShdw blurRad="190500" algn="tl" rotWithShape="0">
+              <a:srgbClr val="000000">
+                <a:alpha val="70000"/>
+              </a:srgbClr>
+            </a:outerShdw>
+          </a:effectLst>
+        </p:spPr>
+      </p:pic>
+    </p:spTree>
+    <p:extLst>
+      <p:ext uri="{BB962C8B-B14F-4D97-AF65-F5344CB8AC3E}">
+        <p14:creationId xmlns:p14="http://schemas.microsoft.com/office/powerpoint/2010/main" val="2612267684"/>
       </p:ext>
     </p:extLst>
   </p:cSld>
@@ -4338,7 +5292,7 @@
         </p:spPr>
         <p:txBody>
           <a:bodyPr>
-            <a:normAutofit/>
+            <a:normAutofit lnSpcReduction="10000"/>
           </a:bodyPr>
           <a:lstStyle/>
           <a:p>
@@ -4398,16 +5352,32 @@
           <a:p>
             <a:r>
               <a:rPr lang="de-DE" dirty="0"/>
-              <a:t>Implementation eines C# Clients zum senden und empfangen von MQTT-Nachrichten</a:t>
-            </a:r>
-          </a:p>
-          <a:p>
+              <a:t>Das MQTT-Protokoll</a:t>
+            </a:r>
+          </a:p>
+          <a:p>
+            <a:pPr lvl="1"/>
             <a:r>
               <a:rPr lang="de-DE" dirty="0"/>
-              <a:t>Genauerer Einblick in das MQTT-Protokoll</a:t>
-            </a:r>
-          </a:p>
-          <a:p>
+              <a:t>Quality </a:t>
+            </a:r>
+            <a:r>
+              <a:rPr lang="de-DE" dirty="0" err="1"/>
+              <a:t>of</a:t>
+            </a:r>
+            <a:r>
+              <a:rPr lang="de-DE" dirty="0"/>
+              <a:t> Service</a:t>
+            </a:r>
+          </a:p>
+          <a:p>
+            <a:r>
+              <a:rPr lang="de-DE" dirty="0"/>
+              <a:t>Senden und Empfangen von MQTT-Nachrichten in C#</a:t>
+            </a:r>
+          </a:p>
+          <a:p>
+            <a:pPr lvl="1"/>
             <a:r>
               <a:rPr lang="de-DE" dirty="0"/>
               <a:t>Datenübertragungssicherheit per Zertifikat</a:t>
@@ -4938,15 +5908,7 @@
             <a:pPr lvl="1"/>
             <a:r>
               <a:rPr lang="de-DE" sz="2200" dirty="0"/>
-              <a:t>Publish und </a:t>
-            </a:r>
-            <a:r>
-              <a:rPr lang="de-DE" sz="2200" dirty="0" err="1"/>
-              <a:t>Subscribe</a:t>
-            </a:r>
-            <a:r>
-              <a:rPr lang="de-DE" sz="2200" dirty="0"/>
-              <a:t> Prinzip</a:t>
+              <a:t>Publish und Subscribe Prinzip</a:t>
             </a:r>
           </a:p>
           <a:p>
@@ -5330,7 +6292,7 @@
           <a:bodyPr/>
           <a:lstStyle/>
           <a:p>
-            <a:endParaRPr lang="de-DE"/>
+            <a:endParaRPr lang="de-DE" dirty="0"/>
           </a:p>
         </p:txBody>
       </p:sp>
@@ -5546,4 +6508,319 @@
     </a:ext>
   </a:extLst>
 </a:theme>
+</file>
+
+<file path=ppt/theme/theme2.xml><?xml version="1.0" encoding="utf-8"?>
+<a:theme xmlns:a="http://schemas.openxmlformats.org/drawingml/2006/main" name="Office">
+  <a:themeElements>
+    <a:clrScheme name="Office">
+      <a:dk1>
+        <a:sysClr val="windowText" lastClr="000000"/>
+      </a:dk1>
+      <a:lt1>
+        <a:sysClr val="window" lastClr="FFFFFF"/>
+      </a:lt1>
+      <a:dk2>
+        <a:srgbClr val="0E2841"/>
+      </a:dk2>
+      <a:lt2>
+        <a:srgbClr val="E8E8E8"/>
+      </a:lt2>
+      <a:accent1>
+        <a:srgbClr val="156082"/>
+      </a:accent1>
+      <a:accent2>
+        <a:srgbClr val="E97132"/>
+      </a:accent2>
+      <a:accent3>
+        <a:srgbClr val="196B24"/>
+      </a:accent3>
+      <a:accent4>
+        <a:srgbClr val="0F9ED5"/>
+      </a:accent4>
+      <a:accent5>
+        <a:srgbClr val="A02B93"/>
+      </a:accent5>
+      <a:accent6>
+        <a:srgbClr val="4EA72E"/>
+      </a:accent6>
+      <a:hlink>
+        <a:srgbClr val="467886"/>
+      </a:hlink>
+      <a:folHlink>
+        <a:srgbClr val="96607D"/>
+      </a:folHlink>
+    </a:clrScheme>
+    <a:fontScheme name="Office">
+      <a:majorFont>
+        <a:latin typeface="Aptos Display" panose="02110004020202020204"/>
+        <a:ea typeface=""/>
+        <a:cs typeface=""/>
+        <a:font script="Jpan" typeface="游ゴシック Light"/>
+        <a:font script="Hang" typeface="맑은 고딕"/>
+        <a:font script="Hans" typeface="等线 Light"/>
+        <a:font script="Hant" typeface="新細明體"/>
+        <a:font script="Arab" typeface="Times New Roman"/>
+        <a:font script="Hebr" typeface="Times New Roman"/>
+        <a:font script="Thai" typeface="Angsana New"/>
+        <a:font script="Ethi" typeface="Nyala"/>
+        <a:font script="Beng" typeface="Vrinda"/>
+        <a:font script="Gujr" typeface="Shruti"/>
+        <a:font script="Khmr" typeface="MoolBoran"/>
+        <a:font script="Knda" typeface="Tunga"/>
+        <a:font script="Guru" typeface="Raavi"/>
+        <a:font script="Cans" typeface="Euphemia"/>
+        <a:font script="Cher" typeface="Plantagenet Cherokee"/>
+        <a:font script="Yiii" typeface="Microsoft Yi Baiti"/>
+        <a:font script="Tibt" typeface="Microsoft Himalaya"/>
+        <a:font script="Thaa" typeface="MV Boli"/>
+        <a:font script="Deva" typeface="Mangal"/>
+        <a:font script="Telu" typeface="Gautami"/>
+        <a:font script="Taml" typeface="Latha"/>
+        <a:font script="Syrc" typeface="Estrangelo Edessa"/>
+        <a:font script="Orya" typeface="Kalinga"/>
+        <a:font script="Mlym" typeface="Kartika"/>
+        <a:font script="Laoo" typeface="DokChampa"/>
+        <a:font script="Sinh" typeface="Iskoola Pota"/>
+        <a:font script="Mong" typeface="Mongolian Baiti"/>
+        <a:font script="Viet" typeface="Times New Roman"/>
+        <a:font script="Uigh" typeface="Microsoft Uighur"/>
+        <a:font script="Geor" typeface="Sylfaen"/>
+        <a:font script="Armn" typeface="Arial"/>
+        <a:font script="Bugi" typeface="Leelawadee UI"/>
+        <a:font script="Bopo" typeface="Microsoft JhengHei"/>
+        <a:font script="Java" typeface="Javanese Text"/>
+        <a:font script="Lisu" typeface="Segoe UI"/>
+        <a:font script="Mymr" typeface="Myanmar Text"/>
+        <a:font script="Nkoo" typeface="Ebrima"/>
+        <a:font script="Olck" typeface="Nirmala UI"/>
+        <a:font script="Osma" typeface="Ebrima"/>
+        <a:font script="Phag" typeface="Phagspa"/>
+        <a:font script="Syrn" typeface="Estrangelo Edessa"/>
+        <a:font script="Syrj" typeface="Estrangelo Edessa"/>
+        <a:font script="Syre" typeface="Estrangelo Edessa"/>
+        <a:font script="Sora" typeface="Nirmala UI"/>
+        <a:font script="Tale" typeface="Microsoft Tai Le"/>
+        <a:font script="Talu" typeface="Microsoft New Tai Lue"/>
+        <a:font script="Tfng" typeface="Ebrima"/>
+      </a:majorFont>
+      <a:minorFont>
+        <a:latin typeface="Aptos" panose="02110004020202020204"/>
+        <a:ea typeface=""/>
+        <a:cs typeface=""/>
+        <a:font script="Jpan" typeface="游ゴシック"/>
+        <a:font script="Hang" typeface="맑은 고딕"/>
+        <a:font script="Hans" typeface="等线"/>
+        <a:font script="Hant" typeface="新細明體"/>
+        <a:font script="Arab" typeface="Arial"/>
+        <a:font script="Hebr" typeface="Arial"/>
+        <a:font script="Thai" typeface="Cordia New"/>
+        <a:font script="Ethi" typeface="Nyala"/>
+        <a:font script="Beng" typeface="Vrinda"/>
+        <a:font script="Gujr" typeface="Shruti"/>
+        <a:font script="Khmr" typeface="DaunPenh"/>
+        <a:font script="Knda" typeface="Tunga"/>
+        <a:font script="Guru" typeface="Raavi"/>
+        <a:font script="Cans" typeface="Euphemia"/>
+        <a:font script="Cher" typeface="Plantagenet Cherokee"/>
+        <a:font script="Yiii" typeface="Microsoft Yi Baiti"/>
+        <a:font script="Tibt" typeface="Microsoft Himalaya"/>
+        <a:font script="Thaa" typeface="MV Boli"/>
+        <a:font script="Deva" typeface="Mangal"/>
+        <a:font script="Telu" typeface="Gautami"/>
+        <a:font script="Taml" typeface="Latha"/>
+        <a:font script="Syrc" typeface="Estrangelo Edessa"/>
+        <a:font script="Orya" typeface="Kalinga"/>
+        <a:font script="Mlym" typeface="Kartika"/>
+        <a:font script="Laoo" typeface="DokChampa"/>
+        <a:font script="Sinh" typeface="Iskoola Pota"/>
+        <a:font script="Mong" typeface="Mongolian Baiti"/>
+        <a:font script="Viet" typeface="Arial"/>
+        <a:font script="Uigh" typeface="Microsoft Uighur"/>
+        <a:font script="Geor" typeface="Sylfaen"/>
+        <a:font script="Armn" typeface="Arial"/>
+        <a:font script="Bugi" typeface="Leelawadee UI"/>
+        <a:font script="Bopo" typeface="Microsoft JhengHei"/>
+        <a:font script="Java" typeface="Javanese Text"/>
+        <a:font script="Lisu" typeface="Segoe UI"/>
+        <a:font script="Mymr" typeface="Myanmar Text"/>
+        <a:font script="Nkoo" typeface="Ebrima"/>
+        <a:font script="Olck" typeface="Nirmala UI"/>
+        <a:font script="Osma" typeface="Ebrima"/>
+        <a:font script="Phag" typeface="Phagspa"/>
+        <a:font script="Syrn" typeface="Estrangelo Edessa"/>
+        <a:font script="Syrj" typeface="Estrangelo Edessa"/>
+        <a:font script="Syre" typeface="Estrangelo Edessa"/>
+        <a:font script="Sora" typeface="Nirmala UI"/>
+        <a:font script="Tale" typeface="Microsoft Tai Le"/>
+        <a:font script="Talu" typeface="Microsoft New Tai Lue"/>
+        <a:font script="Tfng" typeface="Ebrima"/>
+      </a:minorFont>
+    </a:fontScheme>
+    <a:fmtScheme name="Office">
+      <a:fillStyleLst>
+        <a:solidFill>
+          <a:schemeClr val="phClr"/>
+        </a:solidFill>
+        <a:gradFill rotWithShape="1">
+          <a:gsLst>
+            <a:gs pos="0">
+              <a:schemeClr val="phClr">
+                <a:lumMod val="110000"/>
+                <a:satMod val="105000"/>
+                <a:tint val="67000"/>
+              </a:schemeClr>
+            </a:gs>
+            <a:gs pos="50000">
+              <a:schemeClr val="phClr">
+                <a:lumMod val="105000"/>
+                <a:satMod val="103000"/>
+                <a:tint val="73000"/>
+              </a:schemeClr>
+            </a:gs>
+            <a:gs pos="100000">
+              <a:schemeClr val="phClr">
+                <a:lumMod val="105000"/>
+                <a:satMod val="109000"/>
+                <a:tint val="81000"/>
+              </a:schemeClr>
+            </a:gs>
+          </a:gsLst>
+          <a:lin ang="5400000" scaled="0"/>
+        </a:gradFill>
+        <a:gradFill rotWithShape="1">
+          <a:gsLst>
+            <a:gs pos="0">
+              <a:schemeClr val="phClr">
+                <a:satMod val="103000"/>
+                <a:lumMod val="102000"/>
+                <a:tint val="94000"/>
+              </a:schemeClr>
+            </a:gs>
+            <a:gs pos="50000">
+              <a:schemeClr val="phClr">
+                <a:satMod val="110000"/>
+                <a:lumMod val="100000"/>
+                <a:shade val="100000"/>
+              </a:schemeClr>
+            </a:gs>
+            <a:gs pos="100000">
+              <a:schemeClr val="phClr">
+                <a:lumMod val="99000"/>
+                <a:satMod val="120000"/>
+                <a:shade val="78000"/>
+              </a:schemeClr>
+            </a:gs>
+          </a:gsLst>
+          <a:lin ang="5400000" scaled="0"/>
+        </a:gradFill>
+      </a:fillStyleLst>
+      <a:lnStyleLst>
+        <a:ln w="12700" cap="flat" cmpd="sng" algn="ctr">
+          <a:solidFill>
+            <a:schemeClr val="phClr"/>
+          </a:solidFill>
+          <a:prstDash val="solid"/>
+          <a:miter lim="800000"/>
+        </a:ln>
+        <a:ln w="19050" cap="flat" cmpd="sng" algn="ctr">
+          <a:solidFill>
+            <a:schemeClr val="phClr"/>
+          </a:solidFill>
+          <a:prstDash val="solid"/>
+          <a:miter lim="800000"/>
+        </a:ln>
+        <a:ln w="25400" cap="flat" cmpd="sng" algn="ctr">
+          <a:solidFill>
+            <a:schemeClr val="phClr"/>
+          </a:solidFill>
+          <a:prstDash val="solid"/>
+          <a:miter lim="800000"/>
+        </a:ln>
+      </a:lnStyleLst>
+      <a:effectStyleLst>
+        <a:effectStyle>
+          <a:effectLst/>
+        </a:effectStyle>
+        <a:effectStyle>
+          <a:effectLst/>
+        </a:effectStyle>
+        <a:effectStyle>
+          <a:effectLst>
+            <a:outerShdw blurRad="57150" dist="19050" dir="5400000" algn="ctr" rotWithShape="0">
+              <a:srgbClr val="000000">
+                <a:alpha val="63000"/>
+              </a:srgbClr>
+            </a:outerShdw>
+          </a:effectLst>
+        </a:effectStyle>
+      </a:effectStyleLst>
+      <a:bgFillStyleLst>
+        <a:solidFill>
+          <a:schemeClr val="phClr"/>
+        </a:solidFill>
+        <a:solidFill>
+          <a:schemeClr val="phClr">
+            <a:tint val="95000"/>
+            <a:satMod val="170000"/>
+          </a:schemeClr>
+        </a:solidFill>
+        <a:gradFill rotWithShape="1">
+          <a:gsLst>
+            <a:gs pos="0">
+              <a:schemeClr val="phClr">
+                <a:tint val="93000"/>
+                <a:satMod val="150000"/>
+                <a:shade val="98000"/>
+                <a:lumMod val="102000"/>
+              </a:schemeClr>
+            </a:gs>
+            <a:gs pos="50000">
+              <a:schemeClr val="phClr">
+                <a:tint val="98000"/>
+                <a:satMod val="130000"/>
+                <a:shade val="90000"/>
+                <a:lumMod val="103000"/>
+              </a:schemeClr>
+            </a:gs>
+            <a:gs pos="100000">
+              <a:schemeClr val="phClr">
+                <a:shade val="63000"/>
+                <a:satMod val="120000"/>
+              </a:schemeClr>
+            </a:gs>
+          </a:gsLst>
+          <a:lin ang="5400000" scaled="0"/>
+        </a:gradFill>
+      </a:bgFillStyleLst>
+    </a:fmtScheme>
+  </a:themeElements>
+  <a:objectDefaults>
+    <a:lnDef>
+      <a:spPr/>
+      <a:bodyPr/>
+      <a:lstStyle/>
+      <a:style>
+        <a:lnRef idx="2">
+          <a:schemeClr val="accent1"/>
+        </a:lnRef>
+        <a:fillRef idx="0">
+          <a:schemeClr val="accent1"/>
+        </a:fillRef>
+        <a:effectRef idx="1">
+          <a:schemeClr val="accent1"/>
+        </a:effectRef>
+        <a:fontRef idx="minor">
+          <a:schemeClr val="tx1"/>
+        </a:fontRef>
+      </a:style>
+    </a:lnDef>
+  </a:objectDefaults>
+  <a:extraClrSchemeLst/>
+  <a:extLst>
+    <a:ext uri="{05A4C25C-085E-4340-85A3-A5531E510DB2}">
+      <thm15:themeFamily xmlns:thm15="http://schemas.microsoft.com/office/thememl/2012/main" name="Office Theme" id="{2E142A2C-CD16-42D6-873A-C26D2A0506FA}" vid="{1BDDFF52-6CD6-40A5-AB3C-68EB2F1E4D0A}"/>
+    </a:ext>
+  </a:extLst>
+</a:theme>
 </file>
--- a/Präsentation über IoT und MQTT.pptx
+++ b/Präsentation über IoT und MQTT.pptx
@@ -22,7 +22,7 @@
     <p:sldId id="265" r:id="rId13"/>
     <p:sldId id="267" r:id="rId14"/>
     <p:sldId id="271" r:id="rId15"/>
-    <p:sldId id="270" r:id="rId16"/>
+    <p:sldId id="272" r:id="rId16"/>
   </p:sldIdLst>
   <p:sldSz cx="12192000" cy="6858000"/>
   <p:notesSz cx="6858000" cy="9144000"/>
@@ -211,7 +211,7 @@
           <a:p>
             <a:fld id="{04076B1A-FD58-4375-B065-FA82DFD1F6E9}" type="datetimeFigureOut">
               <a:rPr lang="de-DE" smtClean="0"/>
-              <a:t>13.05.2025</a:t>
+              <a:t>14.05.2025</a:t>
             </a:fld>
             <a:endParaRPr lang="de-DE"/>
           </a:p>
@@ -718,7 +718,7 @@
           <a:p>
             <a:fld id="{6444479B-705B-4489-957E-7E8A228BDFA0}" type="datetime1">
               <a:rPr lang="en-US" smtClean="0"/>
-              <a:t>5/13/2025</a:t>
+              <a:t>5/14/2025</a:t>
             </a:fld>
             <a:endParaRPr lang="en-US" dirty="0"/>
           </a:p>
@@ -918,7 +918,7 @@
           <a:p>
             <a:fld id="{C07B66AD-7C08-490A-ADA4-B47E10FB2407}" type="datetime1">
               <a:rPr lang="en-US" smtClean="0"/>
-              <a:t>5/13/2025</a:t>
+              <a:t>5/14/2025</a:t>
             </a:fld>
             <a:endParaRPr lang="en-US" dirty="0"/>
           </a:p>
@@ -1177,7 +1177,7 @@
           <a:p>
             <a:fld id="{05B95027-4255-49E7-9841-CD21BCC99996}" type="datetime1">
               <a:rPr lang="en-US" smtClean="0"/>
-              <a:t>5/13/2025</a:t>
+              <a:t>5/14/2025</a:t>
             </a:fld>
             <a:endParaRPr lang="en-US" dirty="0"/>
           </a:p>
@@ -1418,7 +1418,7 @@
           <a:p>
             <a:fld id="{9F89F774-3FA6-43B8-9241-99959C8FD463}" type="datetime1">
               <a:rPr lang="en-US" smtClean="0"/>
-              <a:t>5/13/2025</a:t>
+              <a:t>5/14/2025</a:t>
             </a:fld>
             <a:endParaRPr lang="en-US" dirty="0"/>
           </a:p>
@@ -1745,7 +1745,7 @@
           <a:p>
             <a:fld id="{F9504452-5DCC-4FE2-A5C9-8A5EF6714D65}" type="datetime1">
               <a:rPr lang="en-US" smtClean="0"/>
-              <a:t>5/13/2025</a:t>
+              <a:t>5/14/2025</a:t>
             </a:fld>
             <a:endParaRPr lang="en-US" dirty="0"/>
           </a:p>
@@ -2055,7 +2055,7 @@
           <a:p>
             <a:fld id="{E579ABC2-0180-4F3A-A895-A85BC724D472}" type="datetime1">
               <a:rPr lang="en-US" smtClean="0"/>
-              <a:t>5/13/2025</a:t>
+              <a:t>5/14/2025</a:t>
             </a:fld>
             <a:endParaRPr lang="en-US" dirty="0"/>
           </a:p>
@@ -2473,7 +2473,7 @@
           <a:p>
             <a:fld id="{6AEEA9BA-4E8F-439E-BEA4-91FBA01E3F5F}" type="datetime1">
               <a:rPr lang="en-US" smtClean="0"/>
-              <a:t>5/13/2025</a:t>
+              <a:t>5/14/2025</a:t>
             </a:fld>
             <a:endParaRPr lang="en-US" dirty="0"/>
           </a:p>
@@ -2615,7 +2615,7 @@
           <a:p>
             <a:fld id="{BE15BF18-0007-481C-AA29-413124BC3EE7}" type="datetime1">
               <a:rPr lang="en-US" smtClean="0"/>
-              <a:t>5/13/2025</a:t>
+              <a:t>5/14/2025</a:t>
             </a:fld>
             <a:endParaRPr lang="en-US" dirty="0"/>
           </a:p>
@@ -2777,7 +2777,7 @@
           <a:p>
             <a:fld id="{09BE9870-3748-43AD-B547-02A075CB4A1D}" type="datetime1">
               <a:rPr lang="en-US" smtClean="0"/>
-              <a:t>5/13/2025</a:t>
+              <a:t>5/14/2025</a:t>
             </a:fld>
             <a:endParaRPr lang="en-US" dirty="0"/>
           </a:p>
@@ -3094,7 +3094,7 @@
           <a:p>
             <a:fld id="{558E7897-33C5-4F1A-9307-D068E37F3DC7}" type="datetime1">
               <a:rPr lang="en-US" smtClean="0"/>
-              <a:t>5/13/2025</a:t>
+              <a:t>5/14/2025</a:t>
             </a:fld>
             <a:endParaRPr lang="en-US" dirty="0"/>
           </a:p>
@@ -3388,7 +3388,7 @@
           <a:p>
             <a:fld id="{82E171BA-CC09-47C8-A6DF-F5C5CB59CEEC}" type="datetime1">
               <a:rPr lang="en-US" smtClean="0"/>
-              <a:t>5/13/2025</a:t>
+              <a:t>5/14/2025</a:t>
             </a:fld>
             <a:endParaRPr lang="en-US" dirty="0"/>
           </a:p>
@@ -3629,7 +3629,7 @@
           <a:p>
             <a:fld id="{7DA38F49-B3E2-4BF0-BEC7-C30D34ABBB8D}" type="datetime1">
               <a:rPr lang="en-US" smtClean="0"/>
-              <a:t>5/13/2025</a:t>
+              <a:t>5/14/2025</a:t>
             </a:fld>
             <a:endParaRPr lang="en-US" dirty="0"/>
           </a:p>
@@ -4489,7 +4489,9 @@
           </a:xfrm>
         </p:spPr>
         <p:txBody>
-          <a:bodyPr/>
+          <a:bodyPr>
+            <a:normAutofit fontScale="92500" lnSpcReduction="10000"/>
+          </a:bodyPr>
           <a:lstStyle/>
           <a:p>
             <a:r>
@@ -4524,7 +4526,94 @@
               <a:rPr lang="de-DE" dirty="0">
                 <a:sym typeface="Wingdings" panose="05000000000000000000" pitchFamily="2" charset="2"/>
               </a:rPr>
-              <a:t>Kommunikation nach Publish/Subscribe Prinzip</a:t>
+              <a:t>Kommunikation nach Publish/</a:t>
+            </a:r>
+            <a:r>
+              <a:rPr lang="de-DE" dirty="0" err="1">
+                <a:sym typeface="Wingdings" panose="05000000000000000000" pitchFamily="2" charset="2"/>
+              </a:rPr>
+              <a:t>Subscribe</a:t>
+            </a:r>
+            <a:r>
+              <a:rPr lang="de-DE" dirty="0">
+                <a:sym typeface="Wingdings" panose="05000000000000000000" pitchFamily="2" charset="2"/>
+              </a:rPr>
+              <a:t> Prinzip</a:t>
+            </a:r>
+          </a:p>
+          <a:p>
+            <a:r>
+              <a:rPr lang="de-DE" dirty="0">
+                <a:sym typeface="Wingdings" panose="05000000000000000000" pitchFamily="2" charset="2"/>
+              </a:rPr>
+              <a:t>Nachrichten werden zu Topics gesendet/von Topics empfangen</a:t>
+            </a:r>
+          </a:p>
+          <a:p>
+            <a:pPr lvl="1"/>
+            <a:r>
+              <a:rPr lang="de-DE" dirty="0">
+                <a:sym typeface="Wingdings" panose="05000000000000000000" pitchFamily="2" charset="2"/>
+              </a:rPr>
+              <a:t>Hierarchisch Strukturiert</a:t>
+            </a:r>
+          </a:p>
+          <a:p>
+            <a:pPr lvl="1"/>
+            <a:r>
+              <a:rPr lang="de-DE" dirty="0">
+                <a:sym typeface="Wingdings" panose="05000000000000000000" pitchFamily="2" charset="2"/>
+              </a:rPr>
+              <a:t>Beispiel:</a:t>
+            </a:r>
+          </a:p>
+          <a:p>
+            <a:pPr lvl="2"/>
+            <a:r>
+              <a:rPr lang="de-DE" dirty="0">
+                <a:sym typeface="Wingdings" panose="05000000000000000000" pitchFamily="2" charset="2"/>
+              </a:rPr>
+              <a:t>Sensors/</a:t>
+            </a:r>
+            <a:r>
+              <a:rPr lang="de-DE" dirty="0" err="1">
+                <a:sym typeface="Wingdings" panose="05000000000000000000" pitchFamily="2" charset="2"/>
+              </a:rPr>
+              <a:t>temperature</a:t>
+            </a:r>
+            <a:r>
+              <a:rPr lang="de-DE" dirty="0">
+                <a:sym typeface="Wingdings" panose="05000000000000000000" pitchFamily="2" charset="2"/>
+              </a:rPr>
+              <a:t>/</a:t>
+            </a:r>
+            <a:r>
+              <a:rPr lang="de-DE" dirty="0" err="1">
+                <a:sym typeface="Wingdings" panose="05000000000000000000" pitchFamily="2" charset="2"/>
+              </a:rPr>
+              <a:t>livingroom</a:t>
+            </a:r>
+            <a:endParaRPr lang="de-DE" dirty="0">
+              <a:sym typeface="Wingdings" panose="05000000000000000000" pitchFamily="2" charset="2"/>
+            </a:endParaRPr>
+          </a:p>
+          <a:p>
+            <a:pPr lvl="2"/>
+            <a:r>
+              <a:rPr lang="de-DE" dirty="0"/>
+              <a:t>Sensors/</a:t>
+            </a:r>
+            <a:r>
+              <a:rPr lang="de-DE" dirty="0" err="1"/>
+              <a:t>temperature</a:t>
+            </a:r>
+            <a:r>
+              <a:rPr lang="de-DE" dirty="0"/>
+              <a:t>/</a:t>
+            </a:r>
+            <a:r>
+              <a:rPr lang="de-DE" dirty="0" err="1"/>
+              <a:t>kitchen</a:t>
             </a:r>
             <a:endParaRPr lang="de-DE" dirty="0"/>
           </a:p>
@@ -4637,7 +4726,7 @@
           <a:p>
             <a:r>
               <a:rPr lang="de-DE" dirty="0"/>
-              <a:t>Legt fest, wie oft eine Nachricht versendet wird.</a:t>
+              <a:t>Legt fest, wie oft eine Nachricht vom Broker empfangen wird.</a:t>
             </a:r>
           </a:p>
           <a:p>
@@ -4800,10 +4889,7 @@
           <a:bodyPr/>
           <a:lstStyle/>
           <a:p>
-            <a:r>
-              <a:rPr lang="de-DE" dirty="0"/>
-              <a:t>Nutzung von https://test.mosquitto.org/</a:t>
-            </a:r>
+            <a:endParaRPr lang="de-DE" dirty="0"/>
           </a:p>
         </p:txBody>
       </p:sp>
@@ -4867,7 +4953,7 @@
           <a:p>
             <a:r>
               <a:rPr lang="de-DE" dirty="0"/>
-              <a:t>Datenübertragungssicherheit per Zertifikat</a:t>
+              <a:t>Wie kann die Datenübertragung gesichert werden?</a:t>
             </a:r>
             <a:br>
               <a:rPr lang="de-DE" dirty="0"/>
@@ -4897,7 +4983,30 @@
           <a:bodyPr/>
           <a:lstStyle/>
           <a:p>
-            <a:endParaRPr lang="de-DE"/>
+            <a:r>
+              <a:rPr lang="de-DE" dirty="0"/>
+              <a:t>Kommunikation wird über TLS/SSL verschlüsselt</a:t>
+            </a:r>
+          </a:p>
+          <a:p>
+            <a:r>
+              <a:rPr lang="de-DE" dirty="0"/>
+              <a:t>Server und Client sind eindeutig identifizierbar</a:t>
+            </a:r>
+          </a:p>
+          <a:p>
+            <a:r>
+              <a:rPr lang="de-DE" dirty="0"/>
+              <a:t>Schutz vor Man-in-</a:t>
+            </a:r>
+            <a:r>
+              <a:rPr lang="de-DE" dirty="0" err="1"/>
+              <a:t>the</a:t>
+            </a:r>
+            <a:r>
+              <a:rPr lang="de-DE" dirty="0"/>
+              <a:t>-Middle-Angriffen</a:t>
+            </a:r>
           </a:p>
         </p:txBody>
       </p:sp>
@@ -4967,7 +5076,7 @@
           <a:p>
             <a:r>
               <a:rPr lang="de-DE" dirty="0"/>
-              <a:t>Ein Zertifikat erstellen</a:t>
+              <a:t>Ein Zertifikat mit OpenSSL erstellen</a:t>
             </a:r>
           </a:p>
         </p:txBody>
@@ -4988,45 +5097,122 @@
             <p:ph idx="1"/>
           </p:nvPr>
         </p:nvSpPr>
-        <p:spPr/>
-        <p:txBody>
-          <a:bodyPr/>
-          <a:lstStyle/>
-          <a:p>
-            <a:endParaRPr lang="de-DE" dirty="0"/>
-          </a:p>
-        </p:txBody>
-      </p:sp>
-      <p:pic>
-        <p:nvPicPr>
-          <p:cNvPr id="9" name="Grafik 8">
-            <a:extLst>
-              <a:ext uri="{FF2B5EF4-FFF2-40B4-BE49-F238E27FC236}">
-                <a16:creationId xmlns:a16="http://schemas.microsoft.com/office/drawing/2014/main" id="{36134BF3-A375-C074-5A4E-DB7D5D2131EF}"/>
-              </a:ext>
-            </a:extLst>
-          </p:cNvPr>
-          <p:cNvPicPr>
-            <a:picLocks noChangeAspect="1"/>
-          </p:cNvPicPr>
-          <p:nvPr/>
-        </p:nvPicPr>
-        <p:blipFill>
-          <a:blip r:embed="rId2"/>
-          <a:stretch>
-            <a:fillRect/>
-          </a:stretch>
-        </p:blipFill>
         <p:spPr>
           <a:xfrm>
-            <a:off x="64904" y="1298528"/>
-            <a:ext cx="12041280" cy="1590897"/>
+            <a:off x="640078" y="2633472"/>
+            <a:ext cx="10890930" cy="3566160"/>
           </a:xfrm>
-          <a:prstGeom prst="rect">
-            <a:avLst/>
-          </a:prstGeom>
         </p:spPr>
-      </p:pic>
+        <p:txBody>
+          <a:bodyPr/>
+          <a:lstStyle/>
+          <a:p>
+            <a:r>
+              <a:rPr lang="de-DE" dirty="0"/>
+              <a:t>Privaten Schlüssel erstellen</a:t>
+            </a:r>
+          </a:p>
+          <a:p>
+            <a:pPr lvl="1"/>
+            <a:r>
+              <a:rPr lang="de-DE" dirty="0" err="1"/>
+              <a:t>openssl</a:t>
+            </a:r>
+            <a:r>
+              <a:rPr lang="de-DE" dirty="0"/>
+              <a:t> </a:t>
+            </a:r>
+            <a:r>
+              <a:rPr lang="de-DE" dirty="0" err="1"/>
+              <a:t>genrsa</a:t>
+            </a:r>
+            <a:r>
+              <a:rPr lang="de-DE" dirty="0"/>
+              <a:t> –out </a:t>
+            </a:r>
+            <a:r>
+              <a:rPr lang="de-DE" dirty="0" err="1"/>
+              <a:t>private.key</a:t>
+            </a:r>
+            <a:r>
+              <a:rPr lang="de-DE" dirty="0"/>
+              <a:t> 2048</a:t>
+            </a:r>
+          </a:p>
+          <a:p>
+            <a:r>
+              <a:rPr lang="de-DE" dirty="0"/>
+              <a:t>Zertifikatsanforderung (CSR) erstellen</a:t>
+            </a:r>
+          </a:p>
+          <a:p>
+            <a:pPr lvl="1"/>
+            <a:r>
+              <a:rPr lang="en-US" dirty="0" err="1"/>
+              <a:t>openssl</a:t>
+            </a:r>
+            <a:r>
+              <a:rPr lang="en-US" dirty="0"/>
+              <a:t> req -new -key </a:t>
+            </a:r>
+            <a:r>
+              <a:rPr lang="en-US" dirty="0" err="1"/>
+              <a:t>private.key</a:t>
+            </a:r>
+            <a:r>
+              <a:rPr lang="en-US" dirty="0"/>
+              <a:t> -out </a:t>
+            </a:r>
+            <a:r>
+              <a:rPr lang="en-US" dirty="0" err="1"/>
+              <a:t>request.csr</a:t>
+            </a:r>
+            <a:endParaRPr lang="de-DE" dirty="0"/>
+          </a:p>
+          <a:p>
+            <a:r>
+              <a:rPr lang="de-DE" dirty="0"/>
+              <a:t>Zertifikat erstellen</a:t>
+            </a:r>
+          </a:p>
+          <a:p>
+            <a:pPr lvl="1"/>
+            <a:r>
+              <a:rPr lang="en-US" dirty="0" err="1"/>
+              <a:t>openssl</a:t>
+            </a:r>
+            <a:r>
+              <a:rPr lang="en-US" dirty="0"/>
+              <a:t> x509 -req -in </a:t>
+            </a:r>
+            <a:r>
+              <a:rPr lang="en-US" dirty="0" err="1"/>
+              <a:t>request.csr</a:t>
+            </a:r>
+            <a:r>
+              <a:rPr lang="en-US" dirty="0"/>
+              <a:t> -</a:t>
+            </a:r>
+            <a:r>
+              <a:rPr lang="en-US" dirty="0" err="1"/>
+              <a:t>signkey</a:t>
+            </a:r>
+            <a:r>
+              <a:rPr lang="en-US" dirty="0"/>
+              <a:t> </a:t>
+            </a:r>
+            <a:r>
+              <a:rPr lang="en-US" dirty="0" err="1"/>
+              <a:t>private.key</a:t>
+            </a:r>
+            <a:r>
+              <a:rPr lang="en-US" dirty="0"/>
+              <a:t> -out certificate.crt -days 365</a:t>
+            </a:r>
+            <a:endParaRPr lang="de-DE" dirty="0"/>
+          </a:p>
+        </p:txBody>
+      </p:sp>
     </p:spTree>
     <p:extLst>
       <p:ext uri="{BB962C8B-B14F-4D97-AF65-F5344CB8AC3E}">
@@ -5043,20 +5229,12 @@
 <file path=ppt/slides/slide15.xml><?xml version="1.0" encoding="utf-8"?>
 <p:sld xmlns:a="http://schemas.openxmlformats.org/drawingml/2006/main" xmlns:r="http://schemas.openxmlformats.org/officeDocument/2006/relationships" xmlns:p="http://schemas.openxmlformats.org/presentationml/2006/main">
   <p:cSld>
-    <p:bg>
-      <p:bgPr>
-        <a:solidFill>
-          <a:srgbClr val="1E1E1E"/>
-        </a:solidFill>
-        <a:effectLst/>
-      </p:bgPr>
-    </p:bg>
     <p:spTree>
       <p:nvGrpSpPr>
         <p:cNvPr id="1" name="">
           <a:extLst>
             <a:ext uri="{FF2B5EF4-FFF2-40B4-BE49-F238E27FC236}">
-              <a16:creationId xmlns:a16="http://schemas.microsoft.com/office/drawing/2014/main" id="{A997F883-7313-5BF6-293C-BDABAD3B1E89}"/>
+              <a16:creationId xmlns:a16="http://schemas.microsoft.com/office/drawing/2014/main" id="{DA47DB9D-C786-2C74-E5F1-E38F21B35936}"/>
             </a:ext>
           </a:extLst>
         </p:cNvPr>
@@ -5076,7 +5254,7 @@
           <p:cNvPr id="2" name="Titel 1">
             <a:extLst>
               <a:ext uri="{FF2B5EF4-FFF2-40B4-BE49-F238E27FC236}">
-                <a16:creationId xmlns:a16="http://schemas.microsoft.com/office/drawing/2014/main" id="{09E026EB-AEE8-FE20-44CC-8002ACDDF998}"/>
+                <a16:creationId xmlns:a16="http://schemas.microsoft.com/office/drawing/2014/main" id="{3EE3E23B-767D-3D80-CD2F-C99BCAD85AD5}"/>
               </a:ext>
             </a:extLst>
           </p:cNvPr>
@@ -5100,37 +5278,25 @@
           <a:lstStyle/>
           <a:p>
             <a:r>
-              <a:rPr lang="de-DE" dirty="0">
-                <a:solidFill>
-                  <a:schemeClr val="bg1"/>
-                </a:solidFill>
-              </a:rPr>
-              <a:t>Zertifikat in </a:t>
+              <a:rPr lang="de-DE" dirty="0"/>
+              <a:t>Ein Zertifikat</a:t>
             </a:r>
             <a:br>
-              <a:rPr lang="de-DE" dirty="0">
-                <a:solidFill>
-                  <a:schemeClr val="bg1"/>
-                </a:solidFill>
-              </a:rPr>
+              <a:rPr lang="de-DE" dirty="0"/>
             </a:br>
             <a:r>
-              <a:rPr lang="de-DE" dirty="0">
-                <a:solidFill>
-                  <a:schemeClr val="bg1"/>
-                </a:solidFill>
-              </a:rPr>
-              <a:t>C# verwenden</a:t>
+              <a:rPr lang="de-DE" dirty="0"/>
+              <a:t>in C# anwenden</a:t>
             </a:r>
           </a:p>
         </p:txBody>
       </p:sp>
       <p:pic>
         <p:nvPicPr>
-          <p:cNvPr id="13" name="Grafik 12">
-            <a:extLst>
-              <a:ext uri="{FF2B5EF4-FFF2-40B4-BE49-F238E27FC236}">
-                <a16:creationId xmlns:a16="http://schemas.microsoft.com/office/drawing/2014/main" id="{654B9039-280C-671C-E539-B12F16327793}"/>
+          <p:cNvPr id="6" name="Grafik 5">
+            <a:extLst>
+              <a:ext uri="{FF2B5EF4-FFF2-40B4-BE49-F238E27FC236}">
+                <a16:creationId xmlns:a16="http://schemas.microsoft.com/office/drawing/2014/main" id="{2EF77605-DFCA-58C8-C688-48CF76692DC9}"/>
               </a:ext>
             </a:extLst>
           </p:cNvPr>
@@ -5147,8 +5313,8 @@
         </p:blipFill>
         <p:spPr>
           <a:xfrm>
-            <a:off x="127059" y="2535646"/>
-            <a:ext cx="8249801" cy="3400900"/>
+            <a:off x="379486" y="2263482"/>
+            <a:ext cx="8049748" cy="3372321"/>
           </a:xfrm>
           <a:prstGeom prst="rect">
             <a:avLst/>
@@ -5167,10 +5333,10 @@
       </p:pic>
       <p:pic>
         <p:nvPicPr>
-          <p:cNvPr id="7" name="Grafik 6">
-            <a:extLst>
-              <a:ext uri="{FF2B5EF4-FFF2-40B4-BE49-F238E27FC236}">
-                <a16:creationId xmlns:a16="http://schemas.microsoft.com/office/drawing/2014/main" id="{06FD451B-7B43-211F-9DF4-CFDD6110F1AB}"/>
+          <p:cNvPr id="9" name="Grafik 8">
+            <a:extLst>
+              <a:ext uri="{FF2B5EF4-FFF2-40B4-BE49-F238E27FC236}">
+                <a16:creationId xmlns:a16="http://schemas.microsoft.com/office/drawing/2014/main" id="{09CBA370-A198-BBB6-B055-17B776D29C6D}"/>
               </a:ext>
             </a:extLst>
           </p:cNvPr>
@@ -5187,8 +5353,8 @@
         </p:blipFill>
         <p:spPr>
           <a:xfrm>
-            <a:off x="4343400" y="137161"/>
-            <a:ext cx="6935168" cy="3381847"/>
+            <a:off x="4749191" y="360040"/>
+            <a:ext cx="6792273" cy="2791215"/>
           </a:xfrm>
           <a:prstGeom prst="rect">
             <a:avLst/>
@@ -5208,7 +5374,7 @@
     </p:spTree>
     <p:extLst>
       <p:ext uri="{BB962C8B-B14F-4D97-AF65-F5344CB8AC3E}">
-        <p14:creationId xmlns:p14="http://schemas.microsoft.com/office/powerpoint/2010/main" val="2612267684"/>
+        <p14:creationId xmlns:p14="http://schemas.microsoft.com/office/powerpoint/2010/main" val="2929899960"/>
       </p:ext>
     </p:extLst>
   </p:cSld>
@@ -5380,7 +5546,7 @@
             <a:pPr lvl="1"/>
             <a:r>
               <a:rPr lang="de-DE" dirty="0"/>
-              <a:t>Datenübertragungssicherheit per Zertifikat</a:t>
+              <a:t>Wie kann die Datenübertragung gesichert werden?</a:t>
             </a:r>
           </a:p>
         </p:txBody>

--- a/Präsentation über IoT und MQTT.pptx
+++ b/Präsentation über IoT und MQTT.pptx
@@ -211,7 +211,7 @@
           <a:p>
             <a:fld id="{04076B1A-FD58-4375-B065-FA82DFD1F6E9}" type="datetimeFigureOut">
               <a:rPr lang="de-DE" smtClean="0"/>
-              <a:t>14.05.2025</a:t>
+              <a:t>16.05.2025</a:t>
             </a:fld>
             <a:endParaRPr lang="de-DE"/>
           </a:p>
@@ -718,7 +718,7 @@
           <a:p>
             <a:fld id="{6444479B-705B-4489-957E-7E8A228BDFA0}" type="datetime1">
               <a:rPr lang="en-US" smtClean="0"/>
-              <a:t>5/14/2025</a:t>
+              <a:t>5/16/2025</a:t>
             </a:fld>
             <a:endParaRPr lang="en-US" dirty="0"/>
           </a:p>
@@ -918,7 +918,7 @@
           <a:p>
             <a:fld id="{C07B66AD-7C08-490A-ADA4-B47E10FB2407}" type="datetime1">
               <a:rPr lang="en-US" smtClean="0"/>
-              <a:t>5/14/2025</a:t>
+              <a:t>5/16/2025</a:t>
             </a:fld>
             <a:endParaRPr lang="en-US" dirty="0"/>
           </a:p>
@@ -1177,7 +1177,7 @@
           <a:p>
             <a:fld id="{05B95027-4255-49E7-9841-CD21BCC99996}" type="datetime1">
               <a:rPr lang="en-US" smtClean="0"/>
-              <a:t>5/14/2025</a:t>
+              <a:t>5/16/2025</a:t>
             </a:fld>
             <a:endParaRPr lang="en-US" dirty="0"/>
           </a:p>
@@ -1418,7 +1418,7 @@
           <a:p>
             <a:fld id="{9F89F774-3FA6-43B8-9241-99959C8FD463}" type="datetime1">
               <a:rPr lang="en-US" smtClean="0"/>
-              <a:t>5/14/2025</a:t>
+              <a:t>5/16/2025</a:t>
             </a:fld>
             <a:endParaRPr lang="en-US" dirty="0"/>
           </a:p>
@@ -1745,7 +1745,7 @@
           <a:p>
             <a:fld id="{F9504452-5DCC-4FE2-A5C9-8A5EF6714D65}" type="datetime1">
               <a:rPr lang="en-US" smtClean="0"/>
-              <a:t>5/14/2025</a:t>
+              <a:t>5/16/2025</a:t>
             </a:fld>
             <a:endParaRPr lang="en-US" dirty="0"/>
           </a:p>
@@ -2055,7 +2055,7 @@
           <a:p>
             <a:fld id="{E579ABC2-0180-4F3A-A895-A85BC724D472}" type="datetime1">
               <a:rPr lang="en-US" smtClean="0"/>
-              <a:t>5/14/2025</a:t>
+              <a:t>5/16/2025</a:t>
             </a:fld>
             <a:endParaRPr lang="en-US" dirty="0"/>
           </a:p>
@@ -2473,7 +2473,7 @@
           <a:p>
             <a:fld id="{6AEEA9BA-4E8F-439E-BEA4-91FBA01E3F5F}" type="datetime1">
               <a:rPr lang="en-US" smtClean="0"/>
-              <a:t>5/14/2025</a:t>
+              <a:t>5/16/2025</a:t>
             </a:fld>
             <a:endParaRPr lang="en-US" dirty="0"/>
           </a:p>
@@ -2615,7 +2615,7 @@
           <a:p>
             <a:fld id="{BE15BF18-0007-481C-AA29-413124BC3EE7}" type="datetime1">
               <a:rPr lang="en-US" smtClean="0"/>
-              <a:t>5/14/2025</a:t>
+              <a:t>5/16/2025</a:t>
             </a:fld>
             <a:endParaRPr lang="en-US" dirty="0"/>
           </a:p>
@@ -2777,7 +2777,7 @@
           <a:p>
             <a:fld id="{09BE9870-3748-43AD-B547-02A075CB4A1D}" type="datetime1">
               <a:rPr lang="en-US" smtClean="0"/>
-              <a:t>5/14/2025</a:t>
+              <a:t>5/16/2025</a:t>
             </a:fld>
             <a:endParaRPr lang="en-US" dirty="0"/>
           </a:p>
@@ -3094,7 +3094,7 @@
           <a:p>
             <a:fld id="{558E7897-33C5-4F1A-9307-D068E37F3DC7}" type="datetime1">
               <a:rPr lang="en-US" smtClean="0"/>
-              <a:t>5/14/2025</a:t>
+              <a:t>5/16/2025</a:t>
             </a:fld>
             <a:endParaRPr lang="en-US" dirty="0"/>
           </a:p>
@@ -3388,7 +3388,7 @@
           <a:p>
             <a:fld id="{82E171BA-CC09-47C8-A6DF-F5C5CB59CEEC}" type="datetime1">
               <a:rPr lang="en-US" smtClean="0"/>
-              <a:t>5/14/2025</a:t>
+              <a:t>5/16/2025</a:t>
             </a:fld>
             <a:endParaRPr lang="en-US" dirty="0"/>
           </a:p>
@@ -3629,7 +3629,7 @@
           <a:p>
             <a:fld id="{7DA38F49-B3E2-4BF0-BEC7-C30D34ABBB8D}" type="datetime1">
               <a:rPr lang="en-US" smtClean="0"/>
-              <a:t>5/14/2025</a:t>
+              <a:t>5/16/2025</a:t>
             </a:fld>
             <a:endParaRPr lang="en-US" dirty="0"/>
           </a:p>
@@ -4490,7 +4490,7 @@
         </p:spPr>
         <p:txBody>
           <a:bodyPr>
-            <a:normAutofit fontScale="92500" lnSpcReduction="10000"/>
+            <a:normAutofit fontScale="77500" lnSpcReduction="20000"/>
           </a:bodyPr>
           <a:lstStyle/>
           <a:p>
@@ -4564,6 +4564,15 @@
               <a:rPr lang="de-DE" dirty="0">
                 <a:sym typeface="Wingdings" panose="05000000000000000000" pitchFamily="2" charset="2"/>
               </a:rPr>
+              <a:t>Mehrere Topics über Wildcard abonnieren</a:t>
+            </a:r>
+          </a:p>
+          <a:p>
+            <a:pPr lvl="1"/>
+            <a:r>
+              <a:rPr lang="de-DE" dirty="0">
+                <a:sym typeface="Wingdings" panose="05000000000000000000" pitchFamily="2" charset="2"/>
+              </a:rPr>
               <a:t>Beispiel:</a:t>
             </a:r>
           </a:p>
@@ -4616,6 +4625,21 @@
               <a:t>kitchen</a:t>
             </a:r>
             <a:endParaRPr lang="de-DE" dirty="0"/>
+          </a:p>
+          <a:p>
+            <a:pPr lvl="2"/>
+            <a:r>
+              <a:rPr lang="de-DE" dirty="0"/>
+              <a:t>Sensors/</a:t>
+            </a:r>
+            <a:r>
+              <a:rPr lang="de-DE" dirty="0" err="1"/>
+              <a:t>temperature</a:t>
+            </a:r>
+            <a:r>
+              <a:rPr lang="de-DE" dirty="0"/>
+              <a:t>/#</a:t>
+            </a:r>
           </a:p>
         </p:txBody>
       </p:sp>
@@ -4985,10 +5009,17 @@
           <a:p>
             <a:r>
               <a:rPr lang="de-DE" dirty="0"/>
-              <a:t>Kommunikation wird über TLS/SSL verschlüsselt</a:t>
-            </a:r>
-          </a:p>
-          <a:p>
+              <a:t>Kommunikation mit TLS/SSL verschlüsseln</a:t>
+            </a:r>
+          </a:p>
+          <a:p>
+            <a:r>
+              <a:rPr lang="de-DE" dirty="0"/>
+              <a:t>Zertifikat für Server und/oder Client verwenden</a:t>
+            </a:r>
+          </a:p>
+          <a:p>
+            <a:pPr lvl="1"/>
             <a:r>
               <a:rPr lang="de-DE" dirty="0"/>
               <a:t>Server und Client sind eindeutig identifizierbar</a:t>
